--- a/02 - FinML - TechAnalysis/Tech-main-indexes.pptx
+++ b/02 - FinML - TechAnalysis/Tech-main-indexes.pptx
@@ -5,7 +5,7 @@
     <p:sldMasterId id="2147483704" r:id="rId1"/>
   </p:sldMasterIdLst>
   <p:notesMasterIdLst>
-    <p:notesMasterId r:id="rId24"/>
+    <p:notesMasterId r:id="rId20"/>
   </p:notesMasterIdLst>
   <p:sldIdLst>
     <p:sldId id="497" r:id="rId2"/>
@@ -17,33 +17,29 @@
     <p:sldId id="416" r:id="rId8"/>
     <p:sldId id="490" r:id="rId9"/>
     <p:sldId id="491" r:id="rId10"/>
-    <p:sldId id="492" r:id="rId11"/>
-    <p:sldId id="496" r:id="rId12"/>
-    <p:sldId id="495" r:id="rId13"/>
-    <p:sldId id="498" r:id="rId14"/>
-    <p:sldId id="499" r:id="rId15"/>
-    <p:sldId id="500" r:id="rId16"/>
-    <p:sldId id="501" r:id="rId17"/>
-    <p:sldId id="493" r:id="rId18"/>
-    <p:sldId id="494" r:id="rId19"/>
-    <p:sldId id="418" r:id="rId20"/>
-    <p:sldId id="281" r:id="rId21"/>
-    <p:sldId id="280" r:id="rId22"/>
-    <p:sldId id="366" r:id="rId23"/>
+    <p:sldId id="496" r:id="rId11"/>
+    <p:sldId id="495" r:id="rId12"/>
+    <p:sldId id="498" r:id="rId13"/>
+    <p:sldId id="499" r:id="rId14"/>
+    <p:sldId id="500" r:id="rId15"/>
+    <p:sldId id="501" r:id="rId16"/>
+    <p:sldId id="493" r:id="rId17"/>
+    <p:sldId id="494" r:id="rId18"/>
+    <p:sldId id="366" r:id="rId19"/>
   </p:sldIdLst>
   <p:sldSz cx="9144000" cy="5143500" type="screen16x9"/>
   <p:notesSz cx="6858000" cy="9144000"/>
   <p:embeddedFontLst>
     <p:embeddedFont>
       <p:font typeface="Cambria Math" panose="02040503050406030204" pitchFamily="18" charset="0"/>
-      <p:regular r:id="rId25"/>
+      <p:regular r:id="rId21"/>
     </p:embeddedFont>
     <p:embeddedFont>
       <p:font typeface="Roboto" panose="02000000000000000000" pitchFamily="2" charset="0"/>
-      <p:regular r:id="rId26"/>
-      <p:bold r:id="rId27"/>
-      <p:italic r:id="rId28"/>
-      <p:boldItalic r:id="rId29"/>
+      <p:regular r:id="rId22"/>
+      <p:bold r:id="rId23"/>
+      <p:italic r:id="rId24"/>
+      <p:boldItalic r:id="rId25"/>
     </p:embeddedFont>
   </p:embeddedFontLst>
   <p:defaultTextStyle>
@@ -1286,323 +1282,6 @@
 </file>
 
 <file path=ppt/notesSlides/notesSlide6.xml><?xml version="1.0" encoding="utf-8"?>
-<p:notes xmlns:a="http://schemas.openxmlformats.org/drawingml/2006/main" xmlns:r="http://schemas.openxmlformats.org/officeDocument/2006/relationships" xmlns:p="http://schemas.openxmlformats.org/presentationml/2006/main" showMasterSp="0" showMasterPhAnim="0">
-  <p:cSld>
-    <p:spTree>
-      <p:nvGrpSpPr>
-        <p:cNvPr id="1" name="Shape 380"/>
-        <p:cNvGrpSpPr/>
-        <p:nvPr/>
-      </p:nvGrpSpPr>
-      <p:grpSpPr>
-        <a:xfrm>
-          <a:off x="0" y="0"/>
-          <a:ext cx="0" cy="0"/>
-          <a:chOff x="0" y="0"/>
-          <a:chExt cx="0" cy="0"/>
-        </a:xfrm>
-      </p:grpSpPr>
-      <p:sp>
-        <p:nvSpPr>
-          <p:cNvPr id="381" name="Google Shape;381;gdf29b9fb24_0_154:notes"/>
-          <p:cNvSpPr>
-            <a:spLocks noGrp="1" noRot="1" noChangeAspect="1"/>
-          </p:cNvSpPr>
-          <p:nvPr>
-            <p:ph type="sldImg" idx="2"/>
-          </p:nvPr>
-        </p:nvSpPr>
-        <p:spPr>
-          <a:xfrm>
-            <a:off x="381000" y="685800"/>
-            <a:ext cx="6096000" cy="3429000"/>
-          </a:xfrm>
-          <a:custGeom>
-            <a:avLst/>
-            <a:gdLst/>
-            <a:ahLst/>
-            <a:cxnLst/>
-            <a:rect l="l" t="t" r="r" b="b"/>
-            <a:pathLst>
-              <a:path w="120000" h="120000" extrusionOk="0">
-                <a:moveTo>
-                  <a:pt x="0" y="0"/>
-                </a:moveTo>
-                <a:lnTo>
-                  <a:pt x="120000" y="0"/>
-                </a:lnTo>
-                <a:lnTo>
-                  <a:pt x="120000" y="120000"/>
-                </a:lnTo>
-                <a:lnTo>
-                  <a:pt x="0" y="120000"/>
-                </a:lnTo>
-                <a:close/>
-              </a:path>
-            </a:pathLst>
-          </a:custGeom>
-        </p:spPr>
-      </p:sp>
-      <p:sp>
-        <p:nvSpPr>
-          <p:cNvPr id="382" name="Google Shape;382;gdf29b9fb24_0_154:notes"/>
-          <p:cNvSpPr txBox="1">
-            <a:spLocks noGrp="1"/>
-          </p:cNvSpPr>
-          <p:nvPr>
-            <p:ph type="body" idx="1"/>
-          </p:nvPr>
-        </p:nvSpPr>
-        <p:spPr>
-          <a:xfrm>
-            <a:off x="685800" y="4343400"/>
-            <a:ext cx="5486400" cy="4114800"/>
-          </a:xfrm>
-          <a:prstGeom prst="rect">
-            <a:avLst/>
-          </a:prstGeom>
-        </p:spPr>
-        <p:txBody>
-          <a:bodyPr spcFirstLastPara="1" wrap="square" lIns="91425" tIns="91425" rIns="91425" bIns="91425" anchor="t" anchorCtr="0">
-            <a:noAutofit/>
-          </a:bodyPr>
-          <a:lstStyle/>
-          <a:p>
-            <a:pPr marL="0" lvl="0" indent="0" algn="l" rtl="0">
-              <a:spcBef>
-                <a:spcPts val="0"/>
-              </a:spcBef>
-              <a:spcAft>
-                <a:spcPts val="0"/>
-              </a:spcAft>
-              <a:buNone/>
-            </a:pPr>
-            <a:endParaRPr/>
-          </a:p>
-        </p:txBody>
-      </p:sp>
-    </p:spTree>
-    <p:extLst>
-      <p:ext uri="{BB962C8B-B14F-4D97-AF65-F5344CB8AC3E}">
-        <p14:creationId xmlns:p14="http://schemas.microsoft.com/office/powerpoint/2010/main" val="3634598206"/>
-      </p:ext>
-    </p:extLst>
-  </p:cSld>
-  <p:clrMapOvr>
-    <a:masterClrMapping/>
-  </p:clrMapOvr>
-</p:notes>
-</file>
-
-<file path=ppt/notesSlides/notesSlide7.xml><?xml version="1.0" encoding="utf-8"?>
-<p:notes xmlns:a="http://schemas.openxmlformats.org/drawingml/2006/main" xmlns:r="http://schemas.openxmlformats.org/officeDocument/2006/relationships" xmlns:p="http://schemas.openxmlformats.org/presentationml/2006/main" showMasterSp="0" showMasterPhAnim="0">
-  <p:cSld>
-    <p:spTree>
-      <p:nvGrpSpPr>
-        <p:cNvPr id="1" name="Shape 461"/>
-        <p:cNvGrpSpPr/>
-        <p:nvPr/>
-      </p:nvGrpSpPr>
-      <p:grpSpPr>
-        <a:xfrm>
-          <a:off x="0" y="0"/>
-          <a:ext cx="0" cy="0"/>
-          <a:chOff x="0" y="0"/>
-          <a:chExt cx="0" cy="0"/>
-        </a:xfrm>
-      </p:grpSpPr>
-      <p:sp>
-        <p:nvSpPr>
-          <p:cNvPr id="462" name="Google Shape;462;g18a1700b9ff_0_463:notes"/>
-          <p:cNvSpPr>
-            <a:spLocks noGrp="1" noRot="1" noChangeAspect="1"/>
-          </p:cNvSpPr>
-          <p:nvPr>
-            <p:ph type="sldImg" idx="2"/>
-          </p:nvPr>
-        </p:nvSpPr>
-        <p:spPr>
-          <a:xfrm>
-            <a:off x="381000" y="685800"/>
-            <a:ext cx="6096000" cy="3429000"/>
-          </a:xfrm>
-          <a:custGeom>
-            <a:avLst/>
-            <a:gdLst/>
-            <a:ahLst/>
-            <a:cxnLst/>
-            <a:rect l="l" t="t" r="r" b="b"/>
-            <a:pathLst>
-              <a:path w="120000" h="120000" extrusionOk="0">
-                <a:moveTo>
-                  <a:pt x="0" y="0"/>
-                </a:moveTo>
-                <a:lnTo>
-                  <a:pt x="120000" y="0"/>
-                </a:lnTo>
-                <a:lnTo>
-                  <a:pt x="120000" y="120000"/>
-                </a:lnTo>
-                <a:lnTo>
-                  <a:pt x="0" y="120000"/>
-                </a:lnTo>
-                <a:close/>
-              </a:path>
-            </a:pathLst>
-          </a:custGeom>
-        </p:spPr>
-      </p:sp>
-      <p:sp>
-        <p:nvSpPr>
-          <p:cNvPr id="463" name="Google Shape;463;g18a1700b9ff_0_463:notes"/>
-          <p:cNvSpPr txBox="1">
-            <a:spLocks noGrp="1"/>
-          </p:cNvSpPr>
-          <p:nvPr>
-            <p:ph type="body" idx="1"/>
-          </p:nvPr>
-        </p:nvSpPr>
-        <p:spPr>
-          <a:xfrm>
-            <a:off x="685800" y="4343400"/>
-            <a:ext cx="5486400" cy="4114800"/>
-          </a:xfrm>
-          <a:prstGeom prst="rect">
-            <a:avLst/>
-          </a:prstGeom>
-        </p:spPr>
-        <p:txBody>
-          <a:bodyPr spcFirstLastPara="1" wrap="square" lIns="91425" tIns="91425" rIns="91425" bIns="91425" anchor="t" anchorCtr="0">
-            <a:noAutofit/>
-          </a:bodyPr>
-          <a:lstStyle/>
-          <a:p>
-            <a:pPr marL="0" lvl="0" indent="0" algn="l" rtl="0">
-              <a:spcBef>
-                <a:spcPts val="0"/>
-              </a:spcBef>
-              <a:spcAft>
-                <a:spcPts val="0"/>
-              </a:spcAft>
-              <a:buNone/>
-            </a:pPr>
-            <a:endParaRPr/>
-          </a:p>
-        </p:txBody>
-      </p:sp>
-    </p:spTree>
-  </p:cSld>
-  <p:clrMapOvr>
-    <a:masterClrMapping/>
-  </p:clrMapOvr>
-</p:notes>
-</file>
-
-<file path=ppt/notesSlides/notesSlide8.xml><?xml version="1.0" encoding="utf-8"?>
-<p:notes xmlns:a="http://schemas.openxmlformats.org/drawingml/2006/main" xmlns:r="http://schemas.openxmlformats.org/officeDocument/2006/relationships" xmlns:p="http://schemas.openxmlformats.org/presentationml/2006/main" showMasterSp="0" showMasterPhAnim="0">
-  <p:cSld>
-    <p:spTree>
-      <p:nvGrpSpPr>
-        <p:cNvPr id="1" name="Shape 452"/>
-        <p:cNvGrpSpPr/>
-        <p:nvPr/>
-      </p:nvGrpSpPr>
-      <p:grpSpPr>
-        <a:xfrm>
-          <a:off x="0" y="0"/>
-          <a:ext cx="0" cy="0"/>
-          <a:chOff x="0" y="0"/>
-          <a:chExt cx="0" cy="0"/>
-        </a:xfrm>
-      </p:grpSpPr>
-      <p:sp>
-        <p:nvSpPr>
-          <p:cNvPr id="453" name="Google Shape;453;ge3a7074569_0_1:notes"/>
-          <p:cNvSpPr>
-            <a:spLocks noGrp="1" noRot="1" noChangeAspect="1"/>
-          </p:cNvSpPr>
-          <p:nvPr>
-            <p:ph type="sldImg" idx="2"/>
-          </p:nvPr>
-        </p:nvSpPr>
-        <p:spPr>
-          <a:xfrm>
-            <a:off x="381000" y="685800"/>
-            <a:ext cx="6096000" cy="3429000"/>
-          </a:xfrm>
-          <a:custGeom>
-            <a:avLst/>
-            <a:gdLst/>
-            <a:ahLst/>
-            <a:cxnLst/>
-            <a:rect l="l" t="t" r="r" b="b"/>
-            <a:pathLst>
-              <a:path w="120000" h="120000" extrusionOk="0">
-                <a:moveTo>
-                  <a:pt x="0" y="0"/>
-                </a:moveTo>
-                <a:lnTo>
-                  <a:pt x="120000" y="0"/>
-                </a:lnTo>
-                <a:lnTo>
-                  <a:pt x="120000" y="120000"/>
-                </a:lnTo>
-                <a:lnTo>
-                  <a:pt x="0" y="120000"/>
-                </a:lnTo>
-                <a:close/>
-              </a:path>
-            </a:pathLst>
-          </a:custGeom>
-        </p:spPr>
-      </p:sp>
-      <p:sp>
-        <p:nvSpPr>
-          <p:cNvPr id="454" name="Google Shape;454;ge3a7074569_0_1:notes"/>
-          <p:cNvSpPr txBox="1">
-            <a:spLocks noGrp="1"/>
-          </p:cNvSpPr>
-          <p:nvPr>
-            <p:ph type="body" idx="1"/>
-          </p:nvPr>
-        </p:nvSpPr>
-        <p:spPr>
-          <a:xfrm>
-            <a:off x="685800" y="4343400"/>
-            <a:ext cx="5486400" cy="4114800"/>
-          </a:xfrm>
-          <a:prstGeom prst="rect">
-            <a:avLst/>
-          </a:prstGeom>
-        </p:spPr>
-        <p:txBody>
-          <a:bodyPr spcFirstLastPara="1" wrap="square" lIns="91425" tIns="91425" rIns="91425" bIns="91425" anchor="t" anchorCtr="0">
-            <a:noAutofit/>
-          </a:bodyPr>
-          <a:lstStyle/>
-          <a:p>
-            <a:pPr marL="0" lvl="0" indent="0" algn="l" rtl="0">
-              <a:spcBef>
-                <a:spcPts val="0"/>
-              </a:spcBef>
-              <a:spcAft>
-                <a:spcPts val="0"/>
-              </a:spcAft>
-              <a:buNone/>
-            </a:pPr>
-            <a:endParaRPr/>
-          </a:p>
-        </p:txBody>
-      </p:sp>
-    </p:spTree>
-  </p:cSld>
-  <p:clrMapOvr>
-    <a:masterClrMapping/>
-  </p:clrMapOvr>
-</p:notes>
-</file>
-
-<file path=ppt/notesSlides/notesSlide9.xml><?xml version="1.0" encoding="utf-8"?>
 <p:notes xmlns:a="http://schemas.openxmlformats.org/drawingml/2006/main" xmlns:r="http://schemas.openxmlformats.org/officeDocument/2006/relationships" xmlns:p="http://schemas.openxmlformats.org/presentationml/2006/main" showMasterSp="0" showMasterPhAnim="0">
   <p:cSld>
     <p:spTree>
@@ -6119,194 +5798,6 @@
           <a:p>
             <a:r>
               <a:rPr lang="ru-RU" dirty="0"/>
-              <a:t>Индикаторы технического анализа</a:t>
-            </a:r>
-            <a:endParaRPr lang="en-US" dirty="0"/>
-          </a:p>
-        </p:txBody>
-      </p:sp>
-      <p:sp>
-        <p:nvSpPr>
-          <p:cNvPr id="4" name="TextBox 3">
-            <a:extLst>
-              <a:ext uri="{FF2B5EF4-FFF2-40B4-BE49-F238E27FC236}">
-                <a16:creationId xmlns:a16="http://schemas.microsoft.com/office/drawing/2014/main" id="{D3F3A926-1997-DB46-B2C1-9800956DA368}"/>
-              </a:ext>
-            </a:extLst>
-          </p:cNvPr>
-          <p:cNvSpPr txBox="1"/>
-          <p:nvPr/>
-        </p:nvSpPr>
-        <p:spPr>
-          <a:xfrm>
-            <a:off x="500550" y="1196699"/>
-            <a:ext cx="8520600" cy="2339102"/>
-          </a:xfrm>
-          <a:prstGeom prst="rect">
-            <a:avLst/>
-          </a:prstGeom>
-          <a:noFill/>
-        </p:spPr>
-        <p:txBody>
-          <a:bodyPr wrap="square" rtlCol="0">
-            <a:spAutoFit/>
-          </a:bodyPr>
-          <a:lstStyle/>
-          <a:p>
-            <a:pPr marL="285750" indent="-285750">
-              <a:spcAft>
-                <a:spcPts val="1200"/>
-              </a:spcAft>
-              <a:buFont typeface="Arial" panose="020B0604020202020204" pitchFamily="34" charset="0"/>
-              <a:buChar char="•"/>
-            </a:pPr>
-            <a:r>
-              <a:rPr lang="en-US" dirty="0"/>
-              <a:t>Average True Range (ATR) - </a:t>
-            </a:r>
-            <a:r>
-              <a:rPr lang="ru-RU" dirty="0"/>
-              <a:t>распространенный технический индикатор, используемый для измерения волатильности на рынке, измеряется как скользящее среднее значение </a:t>
-            </a:r>
-            <a:r>
-              <a:rPr lang="en-US" dirty="0"/>
-              <a:t>True Ranges.</a:t>
-            </a:r>
-            <a:r>
-              <a:rPr lang="ru-RU" dirty="0"/>
-              <a:t> </a:t>
-            </a:r>
-            <a:r>
-              <a:rPr lang="en-US" dirty="0"/>
-              <a:t>ATR </a:t>
-            </a:r>
-            <a:r>
-              <a:rPr lang="ru-RU" dirty="0"/>
-              <a:t>в первую очередь используется для определения времени выхода или входа в сделку, а не направления торговли акциями.</a:t>
-            </a:r>
-          </a:p>
-          <a:p>
-            <a:pPr marL="285750" indent="-285750">
-              <a:spcAft>
-                <a:spcPts val="1200"/>
-              </a:spcAft>
-              <a:buFont typeface="Arial" panose="020B0604020202020204" pitchFamily="34" charset="0"/>
-              <a:buChar char="•"/>
-            </a:pPr>
-            <a:r>
-              <a:rPr lang="ru-RU" dirty="0"/>
-              <a:t>Индекс средней направленности (</a:t>
-            </a:r>
-            <a:r>
-              <a:rPr lang="en-US" dirty="0"/>
-              <a:t>ADX</a:t>
-            </a:r>
-            <a:r>
-              <a:rPr lang="ru-RU" dirty="0"/>
-              <a:t>) - для оценки силы тренда в ценах на акции</a:t>
-            </a:r>
-            <a:r>
-              <a:rPr lang="en-US" dirty="0"/>
-              <a:t>, </a:t>
-            </a:r>
-            <a:r>
-              <a:rPr lang="ru-RU" dirty="0"/>
-              <a:t>помогает определить направление тренда. Как правило, </a:t>
-            </a:r>
-            <a:r>
-              <a:rPr lang="en-US" dirty="0"/>
-              <a:t>ADX 25 </a:t>
-            </a:r>
-            <a:r>
-              <a:rPr lang="ru-RU" dirty="0"/>
-              <a:t>или выше указывает на сильный тренд, а </a:t>
-            </a:r>
-            <a:r>
-              <a:rPr lang="en-US" dirty="0"/>
-              <a:t>ADX </a:t>
-            </a:r>
-            <a:r>
-              <a:rPr lang="ru-RU" dirty="0"/>
-              <a:t>менее 20 - на слабый.</a:t>
-            </a:r>
-          </a:p>
-          <a:p>
-            <a:pPr marL="285750" indent="-285750">
-              <a:spcAft>
-                <a:spcPts val="1200"/>
-              </a:spcAft>
-              <a:buFont typeface="Arial" panose="020B0604020202020204" pitchFamily="34" charset="0"/>
-              <a:buChar char="•"/>
-            </a:pPr>
-            <a:r>
-              <a:rPr lang="ru-RU" dirty="0"/>
-              <a:t>Скорость изменения (</a:t>
-            </a:r>
-            <a:r>
-              <a:rPr lang="en-US" dirty="0"/>
-              <a:t>Rate of Change) – </a:t>
-            </a:r>
-            <a:r>
-              <a:rPr lang="ru-RU" dirty="0"/>
-              <a:t>индикатор импульса, который описывает динамику цены по отношению к цене, зафиксированной периодом ранее.</a:t>
-            </a:r>
-            <a:endParaRPr lang="en-US" dirty="0"/>
-          </a:p>
-        </p:txBody>
-      </p:sp>
-    </p:spTree>
-    <p:extLst>
-      <p:ext uri="{BB962C8B-B14F-4D97-AF65-F5344CB8AC3E}">
-        <p14:creationId xmlns:p14="http://schemas.microsoft.com/office/powerpoint/2010/main" val="1047436474"/>
-      </p:ext>
-    </p:extLst>
-  </p:cSld>
-  <p:clrMapOvr>
-    <a:masterClrMapping/>
-  </p:clrMapOvr>
-</p:sld>
-</file>
-
-<file path=ppt/slides/slide11.xml><?xml version="1.0" encoding="utf-8"?>
-<p:sld xmlns:a="http://schemas.openxmlformats.org/drawingml/2006/main" xmlns:r="http://schemas.openxmlformats.org/officeDocument/2006/relationships" xmlns:p="http://schemas.openxmlformats.org/presentationml/2006/main">
-  <p:cSld>
-    <p:spTree>
-      <p:nvGrpSpPr>
-        <p:cNvPr id="1" name=""/>
-        <p:cNvGrpSpPr/>
-        <p:nvPr/>
-      </p:nvGrpSpPr>
-      <p:grpSpPr>
-        <a:xfrm>
-          <a:off x="0" y="0"/>
-          <a:ext cx="0" cy="0"/>
-          <a:chOff x="0" y="0"/>
-          <a:chExt cx="0" cy="0"/>
-        </a:xfrm>
-      </p:grpSpPr>
-      <p:sp>
-        <p:nvSpPr>
-          <p:cNvPr id="3" name="Title 2">
-            <a:extLst>
-              <a:ext uri="{FF2B5EF4-FFF2-40B4-BE49-F238E27FC236}">
-                <a16:creationId xmlns:a16="http://schemas.microsoft.com/office/drawing/2014/main" id="{B53200C2-EEDC-A348-A3AC-B435BA04C6F0}"/>
-              </a:ext>
-            </a:extLst>
-          </p:cNvPr>
-          <p:cNvSpPr>
-            <a:spLocks noGrp="1"/>
-          </p:cNvSpPr>
-          <p:nvPr>
-            <p:ph type="title"/>
-          </p:nvPr>
-        </p:nvSpPr>
-        <p:spPr/>
-        <p:txBody>
-          <a:bodyPr/>
-          <a:lstStyle/>
-          <a:p>
-            <a:r>
-              <a:rPr lang="ru-RU" dirty="0"/>
               <a:t>Простая скользящая средняя </a:t>
             </a:r>
             <a:endParaRPr lang="en-US" dirty="0"/>
@@ -6775,7 +6266,7 @@
 </p:sld>
 </file>
 
-<file path=ppt/slides/slide12.xml><?xml version="1.0" encoding="utf-8"?>
+<file path=ppt/slides/slide11.xml><?xml version="1.0" encoding="utf-8"?>
 <p:sld xmlns:a="http://schemas.openxmlformats.org/drawingml/2006/main" xmlns:r="http://schemas.openxmlformats.org/officeDocument/2006/relationships" xmlns:p="http://schemas.openxmlformats.org/presentationml/2006/main">
   <p:cSld>
     <p:spTree>
@@ -7019,7 +6510,7 @@
 </p:sld>
 </file>
 
-<file path=ppt/slides/slide13.xml><?xml version="1.0" encoding="utf-8"?>
+<file path=ppt/slides/slide12.xml><?xml version="1.0" encoding="utf-8"?>
 <p:sld xmlns:a="http://schemas.openxmlformats.org/drawingml/2006/main" xmlns:r="http://schemas.openxmlformats.org/officeDocument/2006/relationships" xmlns:p="http://schemas.openxmlformats.org/presentationml/2006/main">
   <p:cSld>
     <p:spTree>
@@ -7428,6 +6919,421 @@
 </p:sld>
 </file>
 
+<file path=ppt/slides/slide13.xml><?xml version="1.0" encoding="utf-8"?>
+<p:sld xmlns:a="http://schemas.openxmlformats.org/drawingml/2006/main" xmlns:r="http://schemas.openxmlformats.org/officeDocument/2006/relationships" xmlns:p="http://schemas.openxmlformats.org/presentationml/2006/main">
+  <p:cSld>
+    <p:spTree>
+      <p:nvGrpSpPr>
+        <p:cNvPr id="1" name=""/>
+        <p:cNvGrpSpPr/>
+        <p:nvPr/>
+      </p:nvGrpSpPr>
+      <p:grpSpPr>
+        <a:xfrm>
+          <a:off x="0" y="0"/>
+          <a:ext cx="0" cy="0"/>
+          <a:chOff x="0" y="0"/>
+          <a:chExt cx="0" cy="0"/>
+        </a:xfrm>
+      </p:grpSpPr>
+      <p:sp>
+        <p:nvSpPr>
+          <p:cNvPr id="3" name="Title 2">
+            <a:extLst>
+              <a:ext uri="{FF2B5EF4-FFF2-40B4-BE49-F238E27FC236}">
+                <a16:creationId xmlns:a16="http://schemas.microsoft.com/office/drawing/2014/main" id="{B53200C2-EEDC-A348-A3AC-B435BA04C6F0}"/>
+              </a:ext>
+            </a:extLst>
+          </p:cNvPr>
+          <p:cNvSpPr>
+            <a:spLocks noGrp="1"/>
+          </p:cNvSpPr>
+          <p:nvPr>
+            <p:ph type="title"/>
+          </p:nvPr>
+        </p:nvSpPr>
+        <p:spPr/>
+        <p:txBody>
+          <a:bodyPr/>
+          <a:lstStyle/>
+          <a:p>
+            <a:r>
+              <a:rPr lang="ru-RU" dirty="0"/>
+              <a:t>Индикаторы технического анализа</a:t>
+            </a:r>
+            <a:endParaRPr lang="en-US" dirty="0"/>
+          </a:p>
+        </p:txBody>
+      </p:sp>
+      <p:sp>
+        <p:nvSpPr>
+          <p:cNvPr id="4" name="TextBox 3">
+            <a:extLst>
+              <a:ext uri="{FF2B5EF4-FFF2-40B4-BE49-F238E27FC236}">
+                <a16:creationId xmlns:a16="http://schemas.microsoft.com/office/drawing/2014/main" id="{D3F3A926-1997-DB46-B2C1-9800956DA368}"/>
+              </a:ext>
+            </a:extLst>
+          </p:cNvPr>
+          <p:cNvSpPr txBox="1"/>
+          <p:nvPr/>
+        </p:nvSpPr>
+        <p:spPr>
+          <a:xfrm>
+            <a:off x="500550" y="1196699"/>
+            <a:ext cx="8520600" cy="738664"/>
+          </a:xfrm>
+          <a:prstGeom prst="rect">
+            <a:avLst/>
+          </a:prstGeom>
+          <a:noFill/>
+        </p:spPr>
+        <p:txBody>
+          <a:bodyPr wrap="square" rtlCol="0">
+            <a:spAutoFit/>
+          </a:bodyPr>
+          <a:lstStyle/>
+          <a:p>
+            <a:pPr>
+              <a:spcAft>
+                <a:spcPts val="1200"/>
+              </a:spcAft>
+            </a:pPr>
+            <a:r>
+              <a:rPr lang="ru-RU" b="1" i="0" u="none" strike="noStrike" dirty="0">
+                <a:solidFill>
+                  <a:srgbClr val="000000"/>
+                </a:solidFill>
+                <a:effectLst/>
+                <a:latin typeface="+mn-lt"/>
+              </a:rPr>
+              <a:t>Индикатор относительной силы</a:t>
+            </a:r>
+            <a:r>
+              <a:rPr lang="ru-RU" b="0" i="0" u="none" strike="noStrike" dirty="0">
+                <a:solidFill>
+                  <a:srgbClr val="000000"/>
+                </a:solidFill>
+                <a:effectLst/>
+                <a:latin typeface="+mn-lt"/>
+              </a:rPr>
+              <a:t> (</a:t>
+            </a:r>
+            <a:r>
+              <a:rPr lang="en-US" b="0" i="0" u="none" strike="noStrike" dirty="0">
+                <a:solidFill>
+                  <a:srgbClr val="000000"/>
+                </a:solidFill>
+                <a:effectLst/>
+                <a:latin typeface="+mn-lt"/>
+              </a:rPr>
+              <a:t>Relative Strength Index, RSI) - </a:t>
+            </a:r>
+            <a:r>
+              <a:rPr lang="ru-RU" b="0" i="0" u="none" strike="noStrike" dirty="0">
+                <a:solidFill>
+                  <a:srgbClr val="000000"/>
+                </a:solidFill>
+                <a:effectLst/>
+                <a:latin typeface="+mn-lt"/>
+              </a:rPr>
+              <a:t>индикатор импульса, который сравнивает величину недавних достижений с недавними потерями, чтобы определить условия </a:t>
+            </a:r>
+            <a:r>
+              <a:rPr lang="ru-RU" b="0" i="0" u="none" strike="noStrike" dirty="0" err="1">
+                <a:solidFill>
+                  <a:srgbClr val="000000"/>
+                </a:solidFill>
+                <a:effectLst/>
+                <a:latin typeface="+mn-lt"/>
+              </a:rPr>
+              <a:t>перекупленности</a:t>
+            </a:r>
+            <a:r>
+              <a:rPr lang="ru-RU" b="0" i="0" u="none" strike="noStrike" dirty="0">
+                <a:solidFill>
+                  <a:srgbClr val="000000"/>
+                </a:solidFill>
+                <a:effectLst/>
+                <a:latin typeface="+mn-lt"/>
+              </a:rPr>
+              <a:t> и </a:t>
+            </a:r>
+            <a:r>
+              <a:rPr lang="ru-RU" b="0" i="0" u="none" strike="noStrike" dirty="0" err="1">
+                <a:solidFill>
+                  <a:srgbClr val="000000"/>
+                </a:solidFill>
+                <a:effectLst/>
+                <a:latin typeface="+mn-lt"/>
+              </a:rPr>
+              <a:t>перепроданности</a:t>
+            </a:r>
+            <a:r>
+              <a:rPr lang="ru-RU" b="0" i="0" u="none" strike="noStrike" dirty="0">
+                <a:solidFill>
+                  <a:srgbClr val="000000"/>
+                </a:solidFill>
+                <a:effectLst/>
+                <a:latin typeface="+mn-lt"/>
+              </a:rPr>
+              <a:t>.</a:t>
+            </a:r>
+          </a:p>
+        </p:txBody>
+      </p:sp>
+      <p:sp>
+        <p:nvSpPr>
+          <p:cNvPr id="8" name="TextBox 7">
+            <a:extLst>
+              <a:ext uri="{FF2B5EF4-FFF2-40B4-BE49-F238E27FC236}">
+                <a16:creationId xmlns:a16="http://schemas.microsoft.com/office/drawing/2014/main" id="{BB8BFA9F-9585-2B42-BECA-078BD995864F}"/>
+              </a:ext>
+            </a:extLst>
+          </p:cNvPr>
+          <p:cNvSpPr txBox="1"/>
+          <p:nvPr/>
+        </p:nvSpPr>
+        <p:spPr>
+          <a:xfrm>
+            <a:off x="500550" y="2362021"/>
+            <a:ext cx="4260300" cy="2400657"/>
+          </a:xfrm>
+          <a:prstGeom prst="rect">
+            <a:avLst/>
+          </a:prstGeom>
+          <a:noFill/>
+        </p:spPr>
+        <p:txBody>
+          <a:bodyPr wrap="square" rtlCol="0">
+            <a:spAutoFit/>
+          </a:bodyPr>
+          <a:lstStyle/>
+          <a:p>
+            <a:pPr algn="l">
+              <a:buFont typeface="+mj-lt"/>
+              <a:buAutoNum type="arabicPeriod"/>
+            </a:pPr>
+            <a:r>
+              <a:rPr lang="ru-RU" sz="1000" b="1" i="0" u="none" strike="noStrike" dirty="0">
+                <a:solidFill>
+                  <a:srgbClr val="000000"/>
+                </a:solidFill>
+                <a:effectLst/>
+              </a:rPr>
+              <a:t>Идентификация волатильности:</a:t>
+            </a:r>
+            <a:endParaRPr lang="ru-RU" sz="1000" b="0" i="0" u="none" strike="noStrike" dirty="0">
+              <a:solidFill>
+                <a:srgbClr val="000000"/>
+              </a:solidFill>
+              <a:effectLst/>
+            </a:endParaRPr>
+          </a:p>
+          <a:p>
+            <a:pPr marL="268288" lvl="1" indent="-177800">
+              <a:buFont typeface="Arial" panose="020B0604020202020204" pitchFamily="34" charset="0"/>
+              <a:buChar char="•"/>
+            </a:pPr>
+            <a:r>
+              <a:rPr lang="ru-RU" sz="1000" dirty="0"/>
+              <a:t>Когда полосы расширяются/сужаются, это указывает на увеличение/снижение волатильности.</a:t>
+            </a:r>
+          </a:p>
+          <a:p>
+            <a:pPr algn="l">
+              <a:spcBef>
+                <a:spcPts val="600"/>
+              </a:spcBef>
+              <a:buFont typeface="+mj-lt"/>
+              <a:buAutoNum type="arabicPeriod"/>
+            </a:pPr>
+            <a:r>
+              <a:rPr lang="ru-RU" sz="1000" b="1" i="0" u="none" strike="noStrike" dirty="0">
+                <a:solidFill>
+                  <a:srgbClr val="000000"/>
+                </a:solidFill>
+                <a:effectLst/>
+              </a:rPr>
+              <a:t>Определение </a:t>
+            </a:r>
+            <a:r>
+              <a:rPr lang="ru-RU" sz="1000" b="1" i="0" u="none" strike="noStrike" dirty="0" err="1">
+                <a:solidFill>
+                  <a:srgbClr val="000000"/>
+                </a:solidFill>
+                <a:effectLst/>
+              </a:rPr>
+              <a:t>перекупленности</a:t>
+            </a:r>
+            <a:r>
+              <a:rPr lang="ru-RU" sz="1000" b="1" i="0" u="none" strike="noStrike" dirty="0">
+                <a:solidFill>
+                  <a:srgbClr val="000000"/>
+                </a:solidFill>
+                <a:effectLst/>
+              </a:rPr>
+              <a:t> и </a:t>
+            </a:r>
+            <a:r>
+              <a:rPr lang="ru-RU" sz="1000" b="1" i="0" u="none" strike="noStrike" dirty="0" err="1">
+                <a:solidFill>
+                  <a:srgbClr val="000000"/>
+                </a:solidFill>
+                <a:effectLst/>
+              </a:rPr>
+              <a:t>перепроданности</a:t>
+            </a:r>
+            <a:r>
+              <a:rPr lang="ru-RU" sz="1000" b="1" i="0" u="none" strike="noStrike" dirty="0">
+                <a:solidFill>
+                  <a:srgbClr val="000000"/>
+                </a:solidFill>
+                <a:effectLst/>
+              </a:rPr>
+              <a:t>:</a:t>
+            </a:r>
+          </a:p>
+          <a:p>
+            <a:pPr marL="268288" lvl="1" indent="-177800">
+              <a:buFont typeface="Arial" panose="020B0604020202020204" pitchFamily="34" charset="0"/>
+              <a:buChar char="•"/>
+            </a:pPr>
+            <a:r>
+              <a:rPr lang="ru-RU" sz="1000" dirty="0"/>
+              <a:t>Когда </a:t>
+            </a:r>
+            <a:r>
+              <a:rPr lang="en-US" sz="1000" dirty="0"/>
+              <a:t>RSI </a:t>
+            </a:r>
+            <a:r>
+              <a:rPr lang="ru-RU" sz="1000" dirty="0"/>
+              <a:t>выше 70, это может указывать на </a:t>
+            </a:r>
+            <a:r>
+              <a:rPr lang="ru-RU" sz="1000" dirty="0" err="1"/>
+              <a:t>перекупленность</a:t>
+            </a:r>
+            <a:r>
+              <a:rPr lang="ru-RU" sz="1000" dirty="0"/>
+              <a:t> актива, и трейдеры могут рассматривать возможность продажи.</a:t>
+            </a:r>
+          </a:p>
+          <a:p>
+            <a:pPr marL="268288" lvl="1" indent="-177800">
+              <a:buFont typeface="Arial" panose="020B0604020202020204" pitchFamily="34" charset="0"/>
+              <a:buChar char="•"/>
+            </a:pPr>
+            <a:r>
+              <a:rPr lang="ru-RU" sz="1000" dirty="0"/>
+              <a:t>Когда </a:t>
+            </a:r>
+            <a:r>
+              <a:rPr lang="en-US" sz="1000" dirty="0"/>
+              <a:t>RSI </a:t>
+            </a:r>
+            <a:r>
+              <a:rPr lang="ru-RU" sz="1000" dirty="0"/>
+              <a:t>ниже 30, это может указывать на </a:t>
+            </a:r>
+            <a:r>
+              <a:rPr lang="ru-RU" sz="1000" dirty="0" err="1"/>
+              <a:t>перепроданность</a:t>
+            </a:r>
+            <a:r>
+              <a:rPr lang="ru-RU" sz="1000" dirty="0"/>
+              <a:t> актива, и трейдеры могут рассматривать возможность покупки.</a:t>
+            </a:r>
+          </a:p>
+          <a:p>
+            <a:pPr algn="l">
+              <a:spcBef>
+                <a:spcPts val="600"/>
+              </a:spcBef>
+              <a:buFont typeface="+mj-lt"/>
+              <a:buAutoNum type="arabicPeriod"/>
+            </a:pPr>
+            <a:r>
+              <a:rPr lang="ru-RU" sz="1000" b="1" i="0" u="none" strike="noStrike" dirty="0">
+                <a:solidFill>
+                  <a:srgbClr val="000000"/>
+                </a:solidFill>
+                <a:effectLst/>
+              </a:rPr>
+              <a:t>Сигналы на пересечении:</a:t>
+            </a:r>
+          </a:p>
+          <a:p>
+            <a:pPr marL="268288" lvl="1" indent="-177800">
+              <a:buFont typeface="Arial" panose="020B0604020202020204" pitchFamily="34" charset="0"/>
+              <a:buChar char="•"/>
+            </a:pPr>
+            <a:r>
+              <a:rPr lang="ru-RU" sz="1000" dirty="0"/>
+              <a:t>Некоторые трейдеры используют пересечение уровня 50 в </a:t>
+            </a:r>
+            <a:r>
+              <a:rPr lang="en-US" sz="1000" dirty="0"/>
+              <a:t>RSI </a:t>
+            </a:r>
+            <a:r>
+              <a:rPr lang="ru-RU" sz="1000" dirty="0"/>
+              <a:t>как сигнал на покупку или продажу. Когда </a:t>
+            </a:r>
+            <a:r>
+              <a:rPr lang="en-US" sz="1000" dirty="0"/>
+              <a:t>RSI </a:t>
+            </a:r>
+            <a:r>
+              <a:rPr lang="ru-RU" sz="1000" dirty="0"/>
+              <a:t>пересекает уровень 50 сверху вниз, это может быть сигналом на продажу, и наоборот.</a:t>
+            </a:r>
+          </a:p>
+        </p:txBody>
+      </p:sp>
+      <p:pic>
+        <p:nvPicPr>
+          <p:cNvPr id="7" name="Picture 6">
+            <a:extLst>
+              <a:ext uri="{FF2B5EF4-FFF2-40B4-BE49-F238E27FC236}">
+                <a16:creationId xmlns:a16="http://schemas.microsoft.com/office/drawing/2014/main" id="{F266DCB6-219C-3F43-98CA-0E5180660955}"/>
+              </a:ext>
+            </a:extLst>
+          </p:cNvPr>
+          <p:cNvPicPr>
+            <a:picLocks noChangeAspect="1"/>
+          </p:cNvPicPr>
+          <p:nvPr/>
+        </p:nvPicPr>
+        <p:blipFill>
+          <a:blip r:embed="rId2"/>
+          <a:stretch>
+            <a:fillRect/>
+          </a:stretch>
+        </p:blipFill>
+        <p:spPr>
+          <a:xfrm>
+            <a:off x="4775200" y="1928536"/>
+            <a:ext cx="4368800" cy="3162300"/>
+          </a:xfrm>
+          <a:prstGeom prst="rect">
+            <a:avLst/>
+          </a:prstGeom>
+        </p:spPr>
+      </p:pic>
+    </p:spTree>
+    <p:extLst>
+      <p:ext uri="{BB962C8B-B14F-4D97-AF65-F5344CB8AC3E}">
+        <p14:creationId xmlns:p14="http://schemas.microsoft.com/office/powerpoint/2010/main" val="1637873049"/>
+      </p:ext>
+    </p:extLst>
+  </p:cSld>
+  <p:clrMapOvr>
+    <a:masterClrMapping/>
+  </p:clrMapOvr>
+</p:sld>
+</file>
+
 <file path=ppt/slides/slide14.xml><?xml version="1.0" encoding="utf-8"?>
 <p:sld xmlns:a="http://schemas.openxmlformats.org/drawingml/2006/main" xmlns:r="http://schemas.openxmlformats.org/officeDocument/2006/relationships" xmlns:p="http://schemas.openxmlformats.org/presentationml/2006/main">
   <p:cSld>
@@ -7508,14 +7414,14 @@
               </a:spcAft>
             </a:pPr>
             <a:r>
-              <a:rPr lang="ru-RU" b="1" i="0" u="none" strike="noStrike" dirty="0">
+              <a:rPr lang="en-US" b="1" i="0" u="none" strike="noStrike" dirty="0">
                 <a:solidFill>
                   <a:srgbClr val="000000"/>
                 </a:solidFill>
                 <a:effectLst/>
-                <a:latin typeface="+mn-lt"/>
+                <a:latin typeface="-webkit-standard"/>
               </a:rPr>
-              <a:t>Индикатор относительной силы</a:t>
+              <a:t>MACD (Moving Average Convergence Divergence)</a:t>
             </a:r>
             <a:r>
               <a:rPr lang="ru-RU" b="0" i="0" u="none" strike="noStrike" dirty="0">
@@ -7523,69 +7429,15 @@
                   <a:srgbClr val="000000"/>
                 </a:solidFill>
                 <a:effectLst/>
-                <a:latin typeface="+mn-lt"/>
+                <a:latin typeface="-webkit-standard"/>
               </a:rPr>
-              <a:t> (</a:t>
-            </a:r>
-            <a:r>
-              <a:rPr lang="en-US" b="0" i="0" u="none" strike="noStrike" dirty="0">
-                <a:solidFill>
-                  <a:srgbClr val="000000"/>
-                </a:solidFill>
-                <a:effectLst/>
-                <a:latin typeface="+mn-lt"/>
+              <a:t> - это индикатор следования за трендом, который измеряет разницу между краткосрочной скользящей средней и долгосрочной скользящей средней</a:t>
+            </a:r>
+            <a:r>
+              <a:rPr lang="ru-RU" dirty="0">
+                <a:latin typeface="-webkit-standard"/>
               </a:rPr>
-              <a:t>Relative Strength Index, RSI) - </a:t>
-            </a:r>
-            <a:r>
-              <a:rPr lang="ru-RU" b="0" i="0" u="none" strike="noStrike" dirty="0">
-                <a:solidFill>
-                  <a:srgbClr val="000000"/>
-                </a:solidFill>
-                <a:effectLst/>
-                <a:latin typeface="+mn-lt"/>
-              </a:rPr>
-              <a:t>индикатор импульса, который сравнивает величину недавних достижений с недавними потерями, чтобы определить условия </a:t>
-            </a:r>
-            <a:r>
-              <a:rPr lang="ru-RU" b="0" i="0" u="none" strike="noStrike" dirty="0" err="1">
-                <a:solidFill>
-                  <a:srgbClr val="000000"/>
-                </a:solidFill>
-                <a:effectLst/>
-                <a:latin typeface="+mn-lt"/>
-              </a:rPr>
-              <a:t>перекупленности</a:t>
-            </a:r>
-            <a:r>
-              <a:rPr lang="ru-RU" b="0" i="0" u="none" strike="noStrike" dirty="0">
-                <a:solidFill>
-                  <a:srgbClr val="000000"/>
-                </a:solidFill>
-                <a:effectLst/>
-                <a:latin typeface="+mn-lt"/>
-              </a:rPr>
-              <a:t> и </a:t>
-            </a:r>
-            <a:r>
-              <a:rPr lang="ru-RU" b="0" i="0" u="none" strike="noStrike" dirty="0" err="1">
-                <a:solidFill>
-                  <a:srgbClr val="000000"/>
-                </a:solidFill>
-                <a:effectLst/>
-                <a:latin typeface="+mn-lt"/>
-              </a:rPr>
-              <a:t>перепроданности</a:t>
-            </a:r>
-            <a:r>
-              <a:rPr lang="ru-RU" b="0" i="0" u="none" strike="noStrike" dirty="0">
-                <a:solidFill>
-                  <a:srgbClr val="000000"/>
-                </a:solidFill>
-                <a:effectLst/>
-                <a:latin typeface="+mn-lt"/>
-              </a:rPr>
-              <a:t>.</a:t>
+              <a:t>, предназначен для выявления изменений в силе, направлении, импульсе и продолжительности тренда цены актива.</a:t>
             </a:r>
           </a:p>
         </p:txBody>
@@ -7604,8 +7456,8 @@
         </p:nvSpPr>
         <p:spPr>
           <a:xfrm>
-            <a:off x="500550" y="2362021"/>
-            <a:ext cx="4260300" cy="2400657"/>
+            <a:off x="500550" y="2571750"/>
+            <a:ext cx="3880950" cy="1862048"/>
           </a:xfrm>
           <a:prstGeom prst="rect">
             <a:avLst/>
@@ -7618,25 +7470,22 @@
           </a:bodyPr>
           <a:lstStyle/>
           <a:p>
-            <a:pPr algn="l">
+            <a:pPr marL="228600" indent="-228600">
               <a:buFont typeface="+mj-lt"/>
               <a:buAutoNum type="arabicPeriod"/>
             </a:pPr>
             <a:r>
-              <a:rPr lang="ru-RU" sz="1000" b="1" i="0" u="none" strike="noStrike" dirty="0">
-                <a:solidFill>
-                  <a:srgbClr val="000000"/>
-                </a:solidFill>
-                <a:effectLst/>
-              </a:rPr>
-              <a:t>Идентификация волатильности:</a:t>
-            </a:r>
-            <a:endParaRPr lang="ru-RU" sz="1000" b="0" i="0" u="none" strike="noStrike" dirty="0">
-              <a:solidFill>
-                <a:srgbClr val="000000"/>
-              </a:solidFill>
-              <a:effectLst/>
-            </a:endParaRPr>
+              <a:rPr lang="ru-RU" sz="1000" b="1" dirty="0"/>
+              <a:t>Пересечение </a:t>
+            </a:r>
+            <a:r>
+              <a:rPr lang="en-US" sz="1000" b="1" dirty="0"/>
+              <a:t>MACD </a:t>
+            </a:r>
+            <a:r>
+              <a:rPr lang="ru-RU" sz="1000" b="1" dirty="0"/>
+              <a:t>и сигнальной линии:</a:t>
+            </a:r>
           </a:p>
           <a:p>
             <a:pPr marL="268288" lvl="1" indent="-177800">
@@ -7645,61 +7494,15 @@
             </a:pPr>
             <a:r>
               <a:rPr lang="ru-RU" sz="1000" dirty="0"/>
-              <a:t>Когда полосы расширяются/сужаются, это указывает на увеличение/снижение волатильности.</a:t>
-            </a:r>
-          </a:p>
-          <a:p>
-            <a:pPr algn="l">
-              <a:spcBef>
-                <a:spcPts val="600"/>
-              </a:spcBef>
-              <a:buFont typeface="+mj-lt"/>
-              <a:buAutoNum type="arabicPeriod"/>
-            </a:pPr>
-            <a:r>
-              <a:rPr lang="ru-RU" sz="1000" b="1" i="0" u="none" strike="noStrike" dirty="0">
-                <a:solidFill>
-                  <a:srgbClr val="000000"/>
-                </a:solidFill>
-                <a:effectLst/>
-              </a:rPr>
-              <a:t>Определение </a:t>
-            </a:r>
-            <a:r>
-              <a:rPr lang="ru-RU" sz="1000" b="1" i="0" u="none" strike="noStrike" dirty="0" err="1">
-                <a:solidFill>
-                  <a:srgbClr val="000000"/>
-                </a:solidFill>
-                <a:effectLst/>
-              </a:rPr>
-              <a:t>перекупленности</a:t>
-            </a:r>
-            <a:r>
-              <a:rPr lang="ru-RU" sz="1000" b="1" i="0" u="none" strike="noStrike" dirty="0">
-                <a:solidFill>
-                  <a:srgbClr val="000000"/>
-                </a:solidFill>
-                <a:effectLst/>
-              </a:rPr>
-              <a:t> и </a:t>
-            </a:r>
-            <a:r>
-              <a:rPr lang="ru-RU" sz="1000" b="1" i="0" u="none" strike="noStrike" dirty="0" err="1">
-                <a:solidFill>
-                  <a:srgbClr val="000000"/>
-                </a:solidFill>
-                <a:effectLst/>
-              </a:rPr>
-              <a:t>перепроданности</a:t>
-            </a:r>
-            <a:r>
-              <a:rPr lang="ru-RU" sz="1000" b="1" i="0" u="none" strike="noStrike" dirty="0">
-                <a:solidFill>
-                  <a:srgbClr val="000000"/>
-                </a:solidFill>
-                <a:effectLst/>
-              </a:rPr>
-              <a:t>:</a:t>
+              <a:t>Когда линия </a:t>
+            </a:r>
+            <a:r>
+              <a:rPr lang="en-US" sz="1000" dirty="0"/>
+              <a:t>MACD </a:t>
+            </a:r>
+            <a:r>
+              <a:rPr lang="ru-RU" sz="1000" dirty="0"/>
+              <a:t>пересекает сигнальную линию снизу вверх, это считается бычьим сигналом на покупку.</a:t>
             </a:r>
           </a:p>
           <a:p>
@@ -7709,23 +7512,36 @@
             </a:pPr>
             <a:r>
               <a:rPr lang="ru-RU" sz="1000" dirty="0"/>
-              <a:t>Когда </a:t>
+              <a:t>Когда линия </a:t>
             </a:r>
             <a:r>
               <a:rPr lang="en-US" sz="1000" dirty="0"/>
-              <a:t>RSI </a:t>
+              <a:t>MACD </a:t>
             </a:r>
             <a:r>
               <a:rPr lang="ru-RU" sz="1000" dirty="0"/>
-              <a:t>выше 70, это может указывать на </a:t>
-            </a:r>
-            <a:r>
-              <a:rPr lang="ru-RU" sz="1000" dirty="0" err="1"/>
-              <a:t>перекупленность</a:t>
-            </a:r>
-            <a:r>
-              <a:rPr lang="ru-RU" sz="1000" dirty="0"/>
-              <a:t> актива, и трейдеры могут рассматривать возможность продажи.</a:t>
+              <a:t>пересекает сигнальную линию сверху вниз, это считается медвежьим сигналом на продажу.</a:t>
+            </a:r>
+          </a:p>
+          <a:p>
+            <a:pPr marL="228600" indent="-228600">
+              <a:spcBef>
+                <a:spcPts val="600"/>
+              </a:spcBef>
+              <a:buFont typeface="+mj-lt"/>
+              <a:buAutoNum type="arabicPeriod"/>
+            </a:pPr>
+            <a:r>
+              <a:rPr lang="ru-RU" sz="1000" b="1" dirty="0"/>
+              <a:t>Положение линии </a:t>
+            </a:r>
+            <a:r>
+              <a:rPr lang="en-US" sz="1000" b="1" dirty="0"/>
+              <a:t>MACD </a:t>
+            </a:r>
+            <a:r>
+              <a:rPr lang="ru-RU" sz="1000" b="1" dirty="0"/>
+              <a:t>относительно нулевой линии:</a:t>
             </a:r>
           </a:p>
           <a:p>
@@ -7735,41 +7551,15 @@
             </a:pPr>
             <a:r>
               <a:rPr lang="ru-RU" sz="1000" dirty="0"/>
-              <a:t>Когда </a:t>
+              <a:t>Когда линия </a:t>
             </a:r>
             <a:r>
               <a:rPr lang="en-US" sz="1000" dirty="0"/>
-              <a:t>RSI </a:t>
+              <a:t>MACD </a:t>
             </a:r>
             <a:r>
               <a:rPr lang="ru-RU" sz="1000" dirty="0"/>
-              <a:t>ниже 30, это может указывать на </a:t>
-            </a:r>
-            <a:r>
-              <a:rPr lang="ru-RU" sz="1000" dirty="0" err="1"/>
-              <a:t>перепроданность</a:t>
-            </a:r>
-            <a:r>
-              <a:rPr lang="ru-RU" sz="1000" dirty="0"/>
-              <a:t> актива, и трейдеры могут рассматривать возможность покупки.</a:t>
-            </a:r>
-          </a:p>
-          <a:p>
-            <a:pPr algn="l">
-              <a:spcBef>
-                <a:spcPts val="600"/>
-              </a:spcBef>
-              <a:buFont typeface="+mj-lt"/>
-              <a:buAutoNum type="arabicPeriod"/>
-            </a:pPr>
-            <a:r>
-              <a:rPr lang="ru-RU" sz="1000" b="1" i="0" u="none" strike="noStrike" dirty="0">
-                <a:solidFill>
-                  <a:srgbClr val="000000"/>
-                </a:solidFill>
-                <a:effectLst/>
-              </a:rPr>
-              <a:t>Сигналы на пересечении:</a:t>
+              <a:t>находится выше нулевой линии, это указывает на восходящий тренд.</a:t>
             </a:r>
           </a:p>
           <a:p>
@@ -7779,33 +7569,25 @@
             </a:pPr>
             <a:r>
               <a:rPr lang="ru-RU" sz="1000" dirty="0"/>
-              <a:t>Некоторые трейдеры используют пересечение уровня 50 в </a:t>
+              <a:t>Когда линия </a:t>
             </a:r>
             <a:r>
               <a:rPr lang="en-US" sz="1000" dirty="0"/>
-              <a:t>RSI </a:t>
+              <a:t>MACD </a:t>
             </a:r>
             <a:r>
               <a:rPr lang="ru-RU" sz="1000" dirty="0"/>
-              <a:t>как сигнал на покупку или продажу. Когда </a:t>
-            </a:r>
-            <a:r>
-              <a:rPr lang="en-US" sz="1000" dirty="0"/>
-              <a:t>RSI </a:t>
-            </a:r>
-            <a:r>
-              <a:rPr lang="ru-RU" sz="1000" dirty="0"/>
-              <a:t>пересекает уровень 50 сверху вниз, это может быть сигналом на продажу, и наоборот.</a:t>
+              <a:t>находится ниже нулевой линии, это указывает на нисходящий тренд.</a:t>
             </a:r>
           </a:p>
         </p:txBody>
       </p:sp>
       <p:pic>
         <p:nvPicPr>
-          <p:cNvPr id="7" name="Picture 6">
+          <p:cNvPr id="10" name="Picture 9">
             <a:extLst>
               <a:ext uri="{FF2B5EF4-FFF2-40B4-BE49-F238E27FC236}">
-                <a16:creationId xmlns:a16="http://schemas.microsoft.com/office/drawing/2014/main" id="{F266DCB6-219C-3F43-98CA-0E5180660955}"/>
+                <a16:creationId xmlns:a16="http://schemas.microsoft.com/office/drawing/2014/main" id="{E28CB6D2-780A-E84A-A8E8-18B163999CE6}"/>
               </a:ext>
             </a:extLst>
           </p:cNvPr>
@@ -7822,8 +7604,8 @@
         </p:blipFill>
         <p:spPr>
           <a:xfrm>
-            <a:off x="4775200" y="1928536"/>
-            <a:ext cx="4368800" cy="3162300"/>
+            <a:off x="4381500" y="1981200"/>
+            <a:ext cx="4762500" cy="3162300"/>
           </a:xfrm>
           <a:prstGeom prst="rect">
             <a:avLst/>
@@ -7833,7 +7615,7 @@
     </p:spTree>
     <p:extLst>
       <p:ext uri="{BB962C8B-B14F-4D97-AF65-F5344CB8AC3E}">
-        <p14:creationId xmlns:p14="http://schemas.microsoft.com/office/powerpoint/2010/main" val="1637873049"/>
+        <p14:creationId xmlns:p14="http://schemas.microsoft.com/office/powerpoint/2010/main" val="1095151587"/>
       </p:ext>
     </p:extLst>
   </p:cSld>
@@ -7903,8 +7685,8 @@
         </p:nvSpPr>
         <p:spPr>
           <a:xfrm>
-            <a:off x="500550" y="1196699"/>
-            <a:ext cx="8520600" cy="738664"/>
+            <a:off x="500550" y="1060664"/>
+            <a:ext cx="8520600" cy="1107996"/>
           </a:xfrm>
           <a:prstGeom prst="rect">
             <a:avLst/>
@@ -7923,297 +7705,6 @@
               </a:spcAft>
             </a:pPr>
             <a:r>
-              <a:rPr lang="en-US" b="1" i="0" u="none" strike="noStrike" dirty="0">
-                <a:solidFill>
-                  <a:srgbClr val="000000"/>
-                </a:solidFill>
-                <a:effectLst/>
-                <a:latin typeface="-webkit-standard"/>
-              </a:rPr>
-              <a:t>MACD (Moving Average Convergence Divergence)</a:t>
-            </a:r>
-            <a:r>
-              <a:rPr lang="ru-RU" b="0" i="0" u="none" strike="noStrike" dirty="0">
-                <a:solidFill>
-                  <a:srgbClr val="000000"/>
-                </a:solidFill>
-                <a:effectLst/>
-                <a:latin typeface="-webkit-standard"/>
-              </a:rPr>
-              <a:t> - это индикатор следования за трендом, который измеряет разницу между краткосрочной скользящей средней и долгосрочной скользящей средней</a:t>
-            </a:r>
-            <a:r>
-              <a:rPr lang="ru-RU" dirty="0">
-                <a:latin typeface="-webkit-standard"/>
-              </a:rPr>
-              <a:t>, предназначен для выявления изменений в силе, направлении, импульсе и продолжительности тренда цены актива.</a:t>
-            </a:r>
-          </a:p>
-        </p:txBody>
-      </p:sp>
-      <p:sp>
-        <p:nvSpPr>
-          <p:cNvPr id="8" name="TextBox 7">
-            <a:extLst>
-              <a:ext uri="{FF2B5EF4-FFF2-40B4-BE49-F238E27FC236}">
-                <a16:creationId xmlns:a16="http://schemas.microsoft.com/office/drawing/2014/main" id="{BB8BFA9F-9585-2B42-BECA-078BD995864F}"/>
-              </a:ext>
-            </a:extLst>
-          </p:cNvPr>
-          <p:cNvSpPr txBox="1"/>
-          <p:nvPr/>
-        </p:nvSpPr>
-        <p:spPr>
-          <a:xfrm>
-            <a:off x="500550" y="2571750"/>
-            <a:ext cx="3880950" cy="1862048"/>
-          </a:xfrm>
-          <a:prstGeom prst="rect">
-            <a:avLst/>
-          </a:prstGeom>
-          <a:noFill/>
-        </p:spPr>
-        <p:txBody>
-          <a:bodyPr wrap="square" rtlCol="0">
-            <a:spAutoFit/>
-          </a:bodyPr>
-          <a:lstStyle/>
-          <a:p>
-            <a:pPr marL="228600" indent="-228600">
-              <a:buFont typeface="+mj-lt"/>
-              <a:buAutoNum type="arabicPeriod"/>
-            </a:pPr>
-            <a:r>
-              <a:rPr lang="ru-RU" sz="1000" b="1" dirty="0"/>
-              <a:t>Пересечение </a:t>
-            </a:r>
-            <a:r>
-              <a:rPr lang="en-US" sz="1000" b="1" dirty="0"/>
-              <a:t>MACD </a:t>
-            </a:r>
-            <a:r>
-              <a:rPr lang="ru-RU" sz="1000" b="1" dirty="0"/>
-              <a:t>и сигнальной линии:</a:t>
-            </a:r>
-          </a:p>
-          <a:p>
-            <a:pPr marL="268288" lvl="1" indent="-177800">
-              <a:buFont typeface="Arial" panose="020B0604020202020204" pitchFamily="34" charset="0"/>
-              <a:buChar char="•"/>
-            </a:pPr>
-            <a:r>
-              <a:rPr lang="ru-RU" sz="1000" dirty="0"/>
-              <a:t>Когда линия </a:t>
-            </a:r>
-            <a:r>
-              <a:rPr lang="en-US" sz="1000" dirty="0"/>
-              <a:t>MACD </a:t>
-            </a:r>
-            <a:r>
-              <a:rPr lang="ru-RU" sz="1000" dirty="0"/>
-              <a:t>пересекает сигнальную линию снизу вверх, это считается бычьим сигналом на покупку.</a:t>
-            </a:r>
-          </a:p>
-          <a:p>
-            <a:pPr marL="268288" lvl="1" indent="-177800">
-              <a:buFont typeface="Arial" panose="020B0604020202020204" pitchFamily="34" charset="0"/>
-              <a:buChar char="•"/>
-            </a:pPr>
-            <a:r>
-              <a:rPr lang="ru-RU" sz="1000" dirty="0"/>
-              <a:t>Когда линия </a:t>
-            </a:r>
-            <a:r>
-              <a:rPr lang="en-US" sz="1000" dirty="0"/>
-              <a:t>MACD </a:t>
-            </a:r>
-            <a:r>
-              <a:rPr lang="ru-RU" sz="1000" dirty="0"/>
-              <a:t>пересекает сигнальную линию сверху вниз, это считается медвежьим сигналом на продажу.</a:t>
-            </a:r>
-          </a:p>
-          <a:p>
-            <a:pPr marL="228600" indent="-228600">
-              <a:spcBef>
-                <a:spcPts val="600"/>
-              </a:spcBef>
-              <a:buFont typeface="+mj-lt"/>
-              <a:buAutoNum type="arabicPeriod"/>
-            </a:pPr>
-            <a:r>
-              <a:rPr lang="ru-RU" sz="1000" b="1" dirty="0"/>
-              <a:t>Положение линии </a:t>
-            </a:r>
-            <a:r>
-              <a:rPr lang="en-US" sz="1000" b="1" dirty="0"/>
-              <a:t>MACD </a:t>
-            </a:r>
-            <a:r>
-              <a:rPr lang="ru-RU" sz="1000" b="1" dirty="0"/>
-              <a:t>относительно нулевой линии:</a:t>
-            </a:r>
-          </a:p>
-          <a:p>
-            <a:pPr marL="268288" lvl="1" indent="-177800">
-              <a:buFont typeface="Arial" panose="020B0604020202020204" pitchFamily="34" charset="0"/>
-              <a:buChar char="•"/>
-            </a:pPr>
-            <a:r>
-              <a:rPr lang="ru-RU" sz="1000" dirty="0"/>
-              <a:t>Когда линия </a:t>
-            </a:r>
-            <a:r>
-              <a:rPr lang="en-US" sz="1000" dirty="0"/>
-              <a:t>MACD </a:t>
-            </a:r>
-            <a:r>
-              <a:rPr lang="ru-RU" sz="1000" dirty="0"/>
-              <a:t>находится выше нулевой линии, это указывает на восходящий тренд.</a:t>
-            </a:r>
-          </a:p>
-          <a:p>
-            <a:pPr marL="268288" lvl="1" indent="-177800">
-              <a:buFont typeface="Arial" panose="020B0604020202020204" pitchFamily="34" charset="0"/>
-              <a:buChar char="•"/>
-            </a:pPr>
-            <a:r>
-              <a:rPr lang="ru-RU" sz="1000" dirty="0"/>
-              <a:t>Когда линия </a:t>
-            </a:r>
-            <a:r>
-              <a:rPr lang="en-US" sz="1000" dirty="0"/>
-              <a:t>MACD </a:t>
-            </a:r>
-            <a:r>
-              <a:rPr lang="ru-RU" sz="1000" dirty="0"/>
-              <a:t>находится ниже нулевой линии, это указывает на нисходящий тренд.</a:t>
-            </a:r>
-          </a:p>
-        </p:txBody>
-      </p:sp>
-      <p:pic>
-        <p:nvPicPr>
-          <p:cNvPr id="10" name="Picture 9">
-            <a:extLst>
-              <a:ext uri="{FF2B5EF4-FFF2-40B4-BE49-F238E27FC236}">
-                <a16:creationId xmlns:a16="http://schemas.microsoft.com/office/drawing/2014/main" id="{E28CB6D2-780A-E84A-A8E8-18B163999CE6}"/>
-              </a:ext>
-            </a:extLst>
-          </p:cNvPr>
-          <p:cNvPicPr>
-            <a:picLocks noChangeAspect="1"/>
-          </p:cNvPicPr>
-          <p:nvPr/>
-        </p:nvPicPr>
-        <p:blipFill>
-          <a:blip r:embed="rId2"/>
-          <a:stretch>
-            <a:fillRect/>
-          </a:stretch>
-        </p:blipFill>
-        <p:spPr>
-          <a:xfrm>
-            <a:off x="4381500" y="1981200"/>
-            <a:ext cx="4762500" cy="3162300"/>
-          </a:xfrm>
-          <a:prstGeom prst="rect">
-            <a:avLst/>
-          </a:prstGeom>
-        </p:spPr>
-      </p:pic>
-    </p:spTree>
-    <p:extLst>
-      <p:ext uri="{BB962C8B-B14F-4D97-AF65-F5344CB8AC3E}">
-        <p14:creationId xmlns:p14="http://schemas.microsoft.com/office/powerpoint/2010/main" val="1095151587"/>
-      </p:ext>
-    </p:extLst>
-  </p:cSld>
-  <p:clrMapOvr>
-    <a:masterClrMapping/>
-  </p:clrMapOvr>
-</p:sld>
-</file>
-
-<file path=ppt/slides/slide16.xml><?xml version="1.0" encoding="utf-8"?>
-<p:sld xmlns:a="http://schemas.openxmlformats.org/drawingml/2006/main" xmlns:r="http://schemas.openxmlformats.org/officeDocument/2006/relationships" xmlns:p="http://schemas.openxmlformats.org/presentationml/2006/main">
-  <p:cSld>
-    <p:spTree>
-      <p:nvGrpSpPr>
-        <p:cNvPr id="1" name=""/>
-        <p:cNvGrpSpPr/>
-        <p:nvPr/>
-      </p:nvGrpSpPr>
-      <p:grpSpPr>
-        <a:xfrm>
-          <a:off x="0" y="0"/>
-          <a:ext cx="0" cy="0"/>
-          <a:chOff x="0" y="0"/>
-          <a:chExt cx="0" cy="0"/>
-        </a:xfrm>
-      </p:grpSpPr>
-      <p:sp>
-        <p:nvSpPr>
-          <p:cNvPr id="3" name="Title 2">
-            <a:extLst>
-              <a:ext uri="{FF2B5EF4-FFF2-40B4-BE49-F238E27FC236}">
-                <a16:creationId xmlns:a16="http://schemas.microsoft.com/office/drawing/2014/main" id="{B53200C2-EEDC-A348-A3AC-B435BA04C6F0}"/>
-              </a:ext>
-            </a:extLst>
-          </p:cNvPr>
-          <p:cNvSpPr>
-            <a:spLocks noGrp="1"/>
-          </p:cNvSpPr>
-          <p:nvPr>
-            <p:ph type="title"/>
-          </p:nvPr>
-        </p:nvSpPr>
-        <p:spPr/>
-        <p:txBody>
-          <a:bodyPr/>
-          <a:lstStyle/>
-          <a:p>
-            <a:r>
-              <a:rPr lang="ru-RU" dirty="0"/>
-              <a:t>Индикаторы технического анализа</a:t>
-            </a:r>
-            <a:endParaRPr lang="en-US" dirty="0"/>
-          </a:p>
-        </p:txBody>
-      </p:sp>
-      <p:sp>
-        <p:nvSpPr>
-          <p:cNvPr id="4" name="TextBox 3">
-            <a:extLst>
-              <a:ext uri="{FF2B5EF4-FFF2-40B4-BE49-F238E27FC236}">
-                <a16:creationId xmlns:a16="http://schemas.microsoft.com/office/drawing/2014/main" id="{D3F3A926-1997-DB46-B2C1-9800956DA368}"/>
-              </a:ext>
-            </a:extLst>
-          </p:cNvPr>
-          <p:cNvSpPr txBox="1"/>
-          <p:nvPr/>
-        </p:nvSpPr>
-        <p:spPr>
-          <a:xfrm>
-            <a:off x="500550" y="1060664"/>
-            <a:ext cx="8520600" cy="523220"/>
-          </a:xfrm>
-          <a:prstGeom prst="rect">
-            <a:avLst/>
-          </a:prstGeom>
-          <a:noFill/>
-        </p:spPr>
-        <p:txBody>
-          <a:bodyPr wrap="square" rtlCol="0">
-            <a:spAutoFit/>
-          </a:bodyPr>
-          <a:lstStyle/>
-          <a:p>
-            <a:pPr>
-              <a:spcAft>
-                <a:spcPts val="1200"/>
-              </a:spcAft>
-            </a:pPr>
-            <a:r>
               <a:rPr lang="ru-RU" b="1" i="0" u="none" strike="noStrike" dirty="0">
                 <a:solidFill>
                   <a:srgbClr val="000000"/>
@@ -8273,9 +7764,43 @@
               </a:rPr>
               <a:t>не указывает направление тренда, а только его силу</a:t>
             </a:r>
-            <a:endParaRPr lang="ru-RU" dirty="0">
-              <a:latin typeface="-webkit-standard"/>
-            </a:endParaRPr>
+          </a:p>
+          <a:p>
+            <a:pPr>
+              <a:spcAft>
+                <a:spcPts val="1200"/>
+              </a:spcAft>
+            </a:pPr>
+            <a:r>
+              <a:rPr lang="ru-RU" dirty="0">
+                <a:latin typeface="-webkit-standard"/>
+              </a:rPr>
+              <a:t>Можно выделить компоненты </a:t>
+            </a:r>
+            <a:r>
+              <a:rPr lang="en-US" dirty="0">
+                <a:latin typeface="-webkit-standard"/>
+              </a:rPr>
+              <a:t>AD- </a:t>
+            </a:r>
+            <a:r>
+              <a:rPr lang="ru-RU" dirty="0">
+                <a:latin typeface="-webkit-standard"/>
+              </a:rPr>
+              <a:t>и </a:t>
+            </a:r>
+            <a:r>
+              <a:rPr lang="en-US" dirty="0">
+                <a:latin typeface="-webkit-standard"/>
+              </a:rPr>
+              <a:t>AD+ </a:t>
+            </a:r>
+            <a:r>
+              <a:rPr lang="ru-RU" dirty="0">
+                <a:latin typeface="-webkit-standard"/>
+              </a:rPr>
+              <a:t>которые будут показывать силу восходящего или нисходящего тренда.</a:t>
+            </a:r>
           </a:p>
         </p:txBody>
       </p:sp>
@@ -8381,7 +7906,7 @@
 </p:sld>
 </file>
 
-<file path=ppt/slides/slide17.xml><?xml version="1.0" encoding="utf-8"?>
+<file path=ppt/slides/slide16.xml><?xml version="1.0" encoding="utf-8"?>
 <p:sld xmlns:a="http://schemas.openxmlformats.org/drawingml/2006/main" xmlns:r="http://schemas.openxmlformats.org/officeDocument/2006/relationships" xmlns:p="http://schemas.openxmlformats.org/presentationml/2006/main">
   <p:cSld>
     <p:spTree>
@@ -8460,7 +7985,7 @@
 </p:sld>
 </file>
 
-<file path=ppt/slides/slide18.xml><?xml version="1.0" encoding="utf-8"?>
+<file path=ppt/slides/slide17.xml><?xml version="1.0" encoding="utf-8"?>
 <p:sld xmlns:a="http://schemas.openxmlformats.org/drawingml/2006/main" xmlns:r="http://schemas.openxmlformats.org/officeDocument/2006/relationships" xmlns:p="http://schemas.openxmlformats.org/presentationml/2006/main">
   <p:cSld>
     <p:spTree>
@@ -8549,12 +8074,12 @@
 </p:sld>
 </file>
 
-<file path=ppt/slides/slide19.xml><?xml version="1.0" encoding="utf-8"?>
+<file path=ppt/slides/slide18.xml><?xml version="1.0" encoding="utf-8"?>
 <p:sld xmlns:a="http://schemas.openxmlformats.org/drawingml/2006/main" xmlns:r="http://schemas.openxmlformats.org/officeDocument/2006/relationships" xmlns:p="http://schemas.openxmlformats.org/presentationml/2006/main">
   <p:cSld>
     <p:spTree>
       <p:nvGrpSpPr>
-        <p:cNvPr id="1" name="Shape 383"/>
+        <p:cNvPr id="1" name="Shape 464"/>
         <p:cNvGrpSpPr/>
         <p:nvPr/>
       </p:nvGrpSpPr>
@@ -8568,7 +8093,7 @@
       </p:grpSpPr>
       <p:sp>
         <p:nvSpPr>
-          <p:cNvPr id="384" name="Google Shape;384;p68"/>
+          <p:cNvPr id="465" name="Google Shape;465;p86"/>
           <p:cNvSpPr txBox="1">
             <a:spLocks noGrp="1"/>
           </p:cNvSpPr>
@@ -8577,16 +8102,12 @@
           </p:nvPr>
         </p:nvSpPr>
         <p:spPr>
-          <a:xfrm>
-            <a:off x="651425" y="396394"/>
-            <a:ext cx="7706100" cy="4090800"/>
-          </a:xfrm>
           <a:prstGeom prst="rect">
             <a:avLst/>
           </a:prstGeom>
         </p:spPr>
         <p:txBody>
-          <a:bodyPr spcFirstLastPara="1" wrap="square" lIns="91425" tIns="91425" rIns="91425" bIns="91425" anchor="ctr" anchorCtr="0">
+          <a:bodyPr spcFirstLastPara="1" wrap="square" lIns="91425" tIns="91425" rIns="91425" bIns="91425" anchor="t" anchorCtr="0">
             <a:noAutofit/>
           </a:bodyPr>
           <a:lstStyle/>
@@ -8598,20 +8119,231 @@
               <a:spcAft>
                 <a:spcPts val="0"/>
               </a:spcAft>
+              <a:buClr>
+                <a:schemeClr val="dk1"/>
+              </a:buClr>
+              <a:buSzPts val="1100"/>
+              <a:buFont typeface="Arial"/>
               <a:buNone/>
             </a:pPr>
             <a:r>
-              <a:rPr lang="ru"/>
-              <a:t>Практика</a:t>
-            </a:r>
-            <a:endParaRPr/>
+              <a:rPr lang="ru-RU" dirty="0"/>
+              <a:t>	Что дальше</a:t>
+            </a:r>
+            <a:endParaRPr dirty="0"/>
+          </a:p>
+          <a:p>
+            <a:pPr marL="0" lvl="0" indent="0" algn="l" rtl="0">
+              <a:spcBef>
+                <a:spcPts val="0"/>
+              </a:spcBef>
+              <a:spcAft>
+                <a:spcPts val="0"/>
+              </a:spcAft>
+              <a:buNone/>
+            </a:pPr>
+            <a:endParaRPr dirty="0"/>
           </a:p>
         </p:txBody>
       </p:sp>
+      <p:pic>
+        <p:nvPicPr>
+          <p:cNvPr id="5" name="Google Shape;536;p82">
+            <a:extLst>
+              <a:ext uri="{FF2B5EF4-FFF2-40B4-BE49-F238E27FC236}">
+                <a16:creationId xmlns:a16="http://schemas.microsoft.com/office/drawing/2014/main" id="{3B9E3E3D-30E9-0C4B-B8B8-AD833ECE9FE3}"/>
+              </a:ext>
+            </a:extLst>
+          </p:cNvPr>
+          <p:cNvPicPr preferRelativeResize="0">
+            <a:picLocks noChangeAspect="1"/>
+          </p:cNvPicPr>
+          <p:nvPr/>
+        </p:nvPicPr>
+        <p:blipFill rotWithShape="1">
+          <a:blip r:embed="rId3">
+            <a:alphaModFix/>
+          </a:blip>
+          <a:srcRect/>
+          <a:stretch/>
+        </p:blipFill>
+        <p:spPr>
+          <a:xfrm>
+            <a:off x="767226" y="440464"/>
+            <a:ext cx="468002" cy="468000"/>
+          </a:xfrm>
+          <a:prstGeom prst="rect">
+            <a:avLst/>
+          </a:prstGeom>
+          <a:noFill/>
+          <a:ln>
+            <a:noFill/>
+          </a:ln>
+        </p:spPr>
+      </p:pic>
+      <p:pic>
+        <p:nvPicPr>
+          <p:cNvPr id="1026" name="Picture 2" descr="Learn Python – Free Python Courses for Beginners">
+            <a:extLst>
+              <a:ext uri="{FF2B5EF4-FFF2-40B4-BE49-F238E27FC236}">
+                <a16:creationId xmlns:a16="http://schemas.microsoft.com/office/drawing/2014/main" id="{68A52B43-6877-B84E-ACDF-F963330BF211}"/>
+              </a:ext>
+            </a:extLst>
+          </p:cNvPr>
+          <p:cNvPicPr>
+            <a:picLocks noChangeAspect="1" noChangeArrowheads="1"/>
+          </p:cNvPicPr>
+          <p:nvPr/>
+        </p:nvPicPr>
+        <p:blipFill rotWithShape="1">
+          <a:blip r:embed="rId4">
+            <a:extLst>
+              <a:ext uri="{28A0092B-C50C-407E-A947-70E740481C1C}">
+                <a14:useLocalDpi xmlns:a14="http://schemas.microsoft.com/office/drawing/2010/main" val="0"/>
+              </a:ext>
+            </a:extLst>
+          </a:blip>
+          <a:srcRect l="16144"/>
+          <a:stretch/>
+        </p:blipFill>
+        <p:spPr bwMode="auto">
+          <a:xfrm>
+            <a:off x="767226" y="1509680"/>
+            <a:ext cx="2991080" cy="2381889"/>
+          </a:xfrm>
+          <a:prstGeom prst="rect">
+            <a:avLst/>
+          </a:prstGeom>
+          <a:noFill/>
+          <a:extLst>
+            <a:ext uri="{909E8E84-426E-40DD-AFC4-6F175D3DCCD1}">
+              <a14:hiddenFill xmlns:a14="http://schemas.microsoft.com/office/drawing/2010/main">
+                <a:solidFill>
+                  <a:srgbClr val="FFFFFF"/>
+                </a:solidFill>
+              </a14:hiddenFill>
+            </a:ext>
+          </a:extLst>
+        </p:spPr>
+      </p:pic>
+      <p:sp>
+        <p:nvSpPr>
+          <p:cNvPr id="2" name="TextBox 1">
+            <a:extLst>
+              <a:ext uri="{FF2B5EF4-FFF2-40B4-BE49-F238E27FC236}">
+                <a16:creationId xmlns:a16="http://schemas.microsoft.com/office/drawing/2014/main" id="{B93CA2C1-B74C-4042-A113-506363F0DAA3}"/>
+              </a:ext>
+            </a:extLst>
+          </p:cNvPr>
+          <p:cNvSpPr txBox="1"/>
+          <p:nvPr/>
+        </p:nvSpPr>
+        <p:spPr>
+          <a:xfrm>
+            <a:off x="4246743" y="1531073"/>
+            <a:ext cx="4277429" cy="2062103"/>
+          </a:xfrm>
+          <a:prstGeom prst="rect">
+            <a:avLst/>
+          </a:prstGeom>
+          <a:noFill/>
+        </p:spPr>
+        <p:txBody>
+          <a:bodyPr wrap="square" rtlCol="0">
+            <a:spAutoFit/>
+          </a:bodyPr>
+          <a:lstStyle/>
+          <a:p>
+            <a:pPr marL="285750" indent="-285750">
+              <a:spcAft>
+                <a:spcPts val="1200"/>
+              </a:spcAft>
+              <a:buFont typeface="Arial" panose="020B0604020202020204" pitchFamily="34" charset="0"/>
+              <a:buChar char="•"/>
+            </a:pPr>
+            <a:r>
+              <a:rPr lang="ru-RU" dirty="0"/>
+              <a:t>На примерах разберем построение всех перечисленных технических индикаторов с помощью библиотеки </a:t>
+            </a:r>
+            <a:r>
+              <a:rPr lang="en-US" dirty="0"/>
+              <a:t>TA-Lib</a:t>
+            </a:r>
+          </a:p>
+          <a:p>
+            <a:pPr marL="285750" indent="-285750">
+              <a:spcAft>
+                <a:spcPts val="1200"/>
+              </a:spcAft>
+              <a:buFont typeface="Arial" panose="020B0604020202020204" pitchFamily="34" charset="0"/>
+              <a:buChar char="•"/>
+            </a:pPr>
+            <a:r>
+              <a:rPr lang="ru-RU" dirty="0"/>
+              <a:t>Построим торговые сигналы для каждого индикатора</a:t>
+            </a:r>
+          </a:p>
+          <a:p>
+            <a:pPr marL="285750" indent="-285750">
+              <a:spcAft>
+                <a:spcPts val="1200"/>
+              </a:spcAft>
+              <a:buFont typeface="Arial" panose="020B0604020202020204" pitchFamily="34" charset="0"/>
+              <a:buChar char="•"/>
+            </a:pPr>
+            <a:endParaRPr lang="ru-RU" dirty="0"/>
+          </a:p>
+          <a:p>
+            <a:pPr>
+              <a:spcAft>
+                <a:spcPts val="1200"/>
+              </a:spcAft>
+            </a:pPr>
+            <a:r>
+              <a:rPr lang="ru-RU" dirty="0"/>
+              <a:t>Смотрите следующие видео</a:t>
+            </a:r>
+            <a:endParaRPr lang="en-US" dirty="0"/>
+          </a:p>
+        </p:txBody>
+      </p:sp>
+      <p:pic>
+        <p:nvPicPr>
+          <p:cNvPr id="7" name="Google Shape;534;p82">
+            <a:extLst>
+              <a:ext uri="{FF2B5EF4-FFF2-40B4-BE49-F238E27FC236}">
+                <a16:creationId xmlns:a16="http://schemas.microsoft.com/office/drawing/2014/main" id="{926541DA-B847-194D-9A8B-EFD9C3F89434}"/>
+              </a:ext>
+            </a:extLst>
+          </p:cNvPr>
+          <p:cNvPicPr preferRelativeResize="0"/>
+          <p:nvPr/>
+        </p:nvPicPr>
+        <p:blipFill rotWithShape="1">
+          <a:blip r:embed="rId5">
+            <a:alphaModFix/>
+          </a:blip>
+          <a:srcRect/>
+          <a:stretch/>
+        </p:blipFill>
+        <p:spPr>
+          <a:xfrm>
+            <a:off x="7722910" y="2972457"/>
+            <a:ext cx="620721" cy="620719"/>
+          </a:xfrm>
+          <a:prstGeom prst="rect">
+            <a:avLst/>
+          </a:prstGeom>
+          <a:noFill/>
+          <a:ln>
+            <a:noFill/>
+          </a:ln>
+        </p:spPr>
+      </p:pic>
     </p:spTree>
     <p:extLst>
       <p:ext uri="{BB962C8B-B14F-4D97-AF65-F5344CB8AC3E}">
-        <p14:creationId xmlns:p14="http://schemas.microsoft.com/office/powerpoint/2010/main" val="1045341858"/>
+        <p14:creationId xmlns:p14="http://schemas.microsoft.com/office/powerpoint/2010/main" val="378446999"/>
       </p:ext>
     </p:extLst>
   </p:cSld>
@@ -9088,18 +8820,6 @@
             </a:lvl9pPr>
           </a:lstStyle>
           <a:p>
-            <a:pPr marL="1470025" indent="-1465263">
-              <a:tabLst>
-                <a:tab pos="1465263" algn="l"/>
-              </a:tabLst>
-            </a:pPr>
-            <a:r>
-              <a:rPr lang="en-US" sz="1150" b="1" dirty="0" err="1"/>
-              <a:t>Otus</a:t>
-            </a:r>
-            <a:endParaRPr lang="ru-RU" sz="1150" b="1" kern="0" dirty="0"/>
-          </a:p>
-          <a:p>
             <a:pPr marL="1825625" indent="-1820863">
               <a:tabLst>
                 <a:tab pos="1465263" algn="l"/>
@@ -9111,7 +8831,15 @@
             </a:r>
             <a:r>
               <a:rPr lang="en-US" sz="1150" b="1" kern="0" dirty="0"/>
-              <a:t>	Reinforcement Learning, ML Professional, ML Basic, </a:t>
+              <a:t>	</a:t>
+            </a:r>
+            <a:r>
+              <a:rPr lang="en-US" sz="1150" b="1" dirty="0"/>
+              <a:t>Machine Learning</a:t>
+            </a:r>
+            <a:r>
+              <a:rPr lang="en-US" sz="1150" b="1" kern="0" dirty="0"/>
+              <a:t>, Reinforcement Learning, </a:t>
             </a:r>
             <a:br>
               <a:rPr lang="en-US" sz="1150" b="1" kern="0" dirty="0"/>
@@ -9125,8 +8853,12 @@
               <a:t>, </a:t>
             </a:r>
             <a:r>
+              <a:rPr lang="en-US" sz="1150" b="1" dirty="0" err="1"/>
+              <a:t>Fin</a:t>
+            </a:r>
+            <a:r>
               <a:rPr lang="en-US" sz="1150" b="1" kern="0" dirty="0" err="1"/>
-              <a:t>FinML</a:t>
+              <a:t>ML</a:t>
             </a:r>
             <a:endParaRPr lang="en-US" sz="1150" b="1" kern="0" dirty="0"/>
           </a:p>
@@ -9146,21 +8878,28 @@
             </a:r>
             <a:r>
               <a:rPr lang="ru-RU" sz="1150" b="1" kern="0" dirty="0"/>
-              <a:t>главный инженер проекта, </a:t>
+              <a:t>главный инженер проекта</a:t>
             </a:r>
           </a:p>
           <a:p>
             <a:pPr rtl="0"/>
             <a:r>
               <a:rPr lang="ru-RU" sz="1150" b="1" kern="0" dirty="0"/>
+              <a:t> </a:t>
+            </a:r>
+          </a:p>
+          <a:p>
+            <a:pPr rtl="0"/>
+            <a:r>
+              <a:rPr lang="ru-RU" sz="1150" kern="0" dirty="0"/>
               <a:t>Физический факультет МГУ, </a:t>
             </a:r>
             <a:r>
-              <a:rPr lang="en-US" sz="1150" b="1" kern="0" dirty="0"/>
+              <a:rPr lang="en-US" sz="1150" kern="0" dirty="0"/>
               <a:t>PhD </a:t>
             </a:r>
             <a:r>
-              <a:rPr lang="ru-RU" sz="1150" b="1" kern="0" dirty="0"/>
+              <a:rPr lang="ru-RU" sz="1150" kern="0" dirty="0"/>
               <a:t>теоретическая физика</a:t>
             </a:r>
           </a:p>
@@ -9180,7 +8919,7 @@
             <a:pPr rtl="0"/>
             <a:r>
               <a:rPr lang="ru-RU" sz="1150" kern="0" dirty="0"/>
-              <a:t>Более 15 лет занимался прикладной математикой и мат моделированием</a:t>
+              <a:t>Более 18 лет занимался прикладной математикой и мат моделированием</a:t>
             </a:r>
           </a:p>
           <a:p>
@@ -9191,11 +8930,19 @@
             </a:r>
             <a:r>
               <a:rPr lang="en-US" sz="1150" kern="0" dirty="0"/>
-              <a:t>Data Scientist) (Python, </a:t>
+              <a:t>Data Scientist</a:t>
             </a:r>
             <a:r>
               <a:rPr lang="ru-RU" sz="1150" kern="0" dirty="0"/>
-              <a:t>С++) в НИИ ПАО Газпром</a:t>
+              <a:t>, </a:t>
+            </a:r>
+            <a:r>
+              <a:rPr lang="en-US" sz="1150" kern="0" dirty="0"/>
+              <a:t>Python, </a:t>
+            </a:r>
+            <a:r>
+              <a:rPr lang="ru-RU" sz="1150" kern="0" dirty="0"/>
+              <a:t>С++)</a:t>
             </a:r>
           </a:p>
           <a:p>
@@ -9273,1402 +9020,6 @@
         </p:txBody>
       </p:sp>
     </p:spTree>
-  </p:cSld>
-  <p:clrMapOvr>
-    <a:masterClrMapping/>
-  </p:clrMapOvr>
-</p:sld>
-</file>
-
-<file path=ppt/slides/slide20.xml><?xml version="1.0" encoding="utf-8"?>
-<p:sld xmlns:a="http://schemas.openxmlformats.org/drawingml/2006/main" xmlns:r="http://schemas.openxmlformats.org/officeDocument/2006/relationships" xmlns:p="http://schemas.openxmlformats.org/presentationml/2006/main">
-  <p:cSld>
-    <p:spTree>
-      <p:nvGrpSpPr>
-        <p:cNvPr id="1" name="Shape 464"/>
-        <p:cNvGrpSpPr/>
-        <p:nvPr/>
-      </p:nvGrpSpPr>
-      <p:grpSpPr>
-        <a:xfrm>
-          <a:off x="0" y="0"/>
-          <a:ext cx="0" cy="0"/>
-          <a:chOff x="0" y="0"/>
-          <a:chExt cx="0" cy="0"/>
-        </a:xfrm>
-      </p:grpSpPr>
-      <p:sp>
-        <p:nvSpPr>
-          <p:cNvPr id="465" name="Google Shape;465;p86"/>
-          <p:cNvSpPr txBox="1">
-            <a:spLocks noGrp="1"/>
-          </p:cNvSpPr>
-          <p:nvPr>
-            <p:ph type="title"/>
-          </p:nvPr>
-        </p:nvSpPr>
-        <p:spPr>
-          <a:prstGeom prst="rect">
-            <a:avLst/>
-          </a:prstGeom>
-        </p:spPr>
-        <p:txBody>
-          <a:bodyPr spcFirstLastPara="1" wrap="square" lIns="91425" tIns="91425" rIns="91425" bIns="91425" anchor="t" anchorCtr="0">
-            <a:noAutofit/>
-          </a:bodyPr>
-          <a:lstStyle/>
-          <a:p>
-            <a:pPr marL="0" lvl="0" indent="0" algn="l" rtl="0">
-              <a:spcBef>
-                <a:spcPts val="0"/>
-              </a:spcBef>
-              <a:spcAft>
-                <a:spcPts val="0"/>
-              </a:spcAft>
-              <a:buClr>
-                <a:schemeClr val="dk1"/>
-              </a:buClr>
-              <a:buSzPts val="1100"/>
-              <a:buFont typeface="Arial"/>
-              <a:buNone/>
-            </a:pPr>
-            <a:r>
-              <a:rPr lang="ru-RU" dirty="0"/>
-              <a:t>Практическая реализация</a:t>
-            </a:r>
-            <a:endParaRPr dirty="0"/>
-          </a:p>
-          <a:p>
-            <a:pPr marL="0" lvl="0" indent="0" algn="l" rtl="0">
-              <a:spcBef>
-                <a:spcPts val="0"/>
-              </a:spcBef>
-              <a:spcAft>
-                <a:spcPts val="0"/>
-              </a:spcAft>
-              <a:buNone/>
-            </a:pPr>
-            <a:endParaRPr dirty="0"/>
-          </a:p>
-        </p:txBody>
-      </p:sp>
-      <p:graphicFrame>
-        <p:nvGraphicFramePr>
-          <p:cNvPr id="466" name="Google Shape;466;p86"/>
-          <p:cNvGraphicFramePr/>
-          <p:nvPr>
-            <p:extLst>
-              <p:ext uri="{D42A27DB-BD31-4B8C-83A1-F6EECF244321}">
-                <p14:modId xmlns:p14="http://schemas.microsoft.com/office/powerpoint/2010/main" val="3855480333"/>
-              </p:ext>
-            </p:extLst>
-          </p:nvPr>
-        </p:nvGraphicFramePr>
-        <p:xfrm>
-          <a:off x="952500" y="1544194"/>
-          <a:ext cx="7239000" cy="349304"/>
-        </p:xfrm>
-        <a:graphic>
-          <a:graphicData uri="http://schemas.openxmlformats.org/drawingml/2006/table">
-            <a:tbl>
-              <a:tblPr>
-                <a:noFill/>
-                <a:tableStyleId>{9F59E00E-254B-42B5-9FED-D0DB1D54CBD8}</a:tableStyleId>
-              </a:tblPr>
-              <a:tblGrid>
-                <a:gridCol w="489425">
-                  <a:extLst>
-                    <a:ext uri="{9D8B030D-6E8A-4147-A177-3AD203B41FA5}">
-                      <a16:colId xmlns:a16="http://schemas.microsoft.com/office/drawing/2014/main" val="20000"/>
-                    </a:ext>
-                  </a:extLst>
-                </a:gridCol>
-                <a:gridCol w="6749575">
-                  <a:extLst>
-                    <a:ext uri="{9D8B030D-6E8A-4147-A177-3AD203B41FA5}">
-                      <a16:colId xmlns:a16="http://schemas.microsoft.com/office/drawing/2014/main" val="20001"/>
-                    </a:ext>
-                  </a:extLst>
-                </a:gridCol>
-              </a:tblGrid>
-              <a:tr h="285750">
-                <a:tc>
-                  <a:txBody>
-                    <a:bodyPr/>
-                    <a:lstStyle/>
-                    <a:p>
-                      <a:pPr marL="0" lvl="0" indent="0" algn="l" rtl="0">
-                        <a:spcBef>
-                          <a:spcPts val="0"/>
-                        </a:spcBef>
-                        <a:spcAft>
-                          <a:spcPts val="0"/>
-                        </a:spcAft>
-                        <a:buNone/>
-                      </a:pPr>
-                      <a:r>
-                        <a:rPr lang="ru" sz="1300" b="1">
-                          <a:solidFill>
-                            <a:srgbClr val="FF7700"/>
-                          </a:solidFill>
-                          <a:latin typeface="Roboto"/>
-                          <a:ea typeface="Roboto"/>
-                          <a:cs typeface="Roboto"/>
-                          <a:sym typeface="Roboto"/>
-                        </a:rPr>
-                        <a:t>1.</a:t>
-                      </a:r>
-                      <a:endParaRPr sz="1300" b="1">
-                        <a:solidFill>
-                          <a:srgbClr val="FF7700"/>
-                        </a:solidFill>
-                        <a:latin typeface="Roboto"/>
-                        <a:ea typeface="Roboto"/>
-                        <a:cs typeface="Roboto"/>
-                        <a:sym typeface="Roboto"/>
-                      </a:endParaRPr>
-                    </a:p>
-                  </a:txBody>
-                  <a:tcPr marL="198000" marR="91425" marT="68575" marB="68575">
-                    <a:lnL w="9525" cap="flat" cmpd="sng">
-                      <a:solidFill>
-                        <a:srgbClr val="BFC1F0">
-                          <a:alpha val="0"/>
-                        </a:srgbClr>
-                      </a:solidFill>
-                      <a:prstDash val="solid"/>
-                      <a:round/>
-                      <a:headEnd type="none" w="sm" len="sm"/>
-                      <a:tailEnd type="none" w="sm" len="sm"/>
-                    </a:lnL>
-                    <a:lnR w="9525" cap="flat" cmpd="sng" algn="ctr">
-                      <a:solidFill>
-                        <a:schemeClr val="lt1"/>
-                      </a:solidFill>
-                      <a:prstDash val="solid"/>
-                      <a:round/>
-                      <a:headEnd type="none" w="sm" len="sm"/>
-                      <a:tailEnd type="none" w="sm" len="sm"/>
-                    </a:lnR>
-                    <a:lnT w="9525" cap="flat" cmpd="sng">
-                      <a:solidFill>
-                        <a:srgbClr val="BFC1F0">
-                          <a:alpha val="0"/>
-                        </a:srgbClr>
-                      </a:solidFill>
-                      <a:prstDash val="solid"/>
-                      <a:round/>
-                      <a:headEnd type="none" w="sm" len="sm"/>
-                      <a:tailEnd type="none" w="sm" len="sm"/>
-                    </a:lnT>
-                    <a:lnB w="9525" cap="flat" cmpd="sng">
-                      <a:solidFill>
-                        <a:srgbClr val="9E9E9E"/>
-                      </a:solidFill>
-                      <a:prstDash val="solid"/>
-                      <a:round/>
-                      <a:headEnd type="none" w="sm" len="sm"/>
-                      <a:tailEnd type="none" w="sm" len="sm"/>
-                    </a:lnB>
-                  </a:tcPr>
-                </a:tc>
-                <a:tc>
-                  <a:txBody>
-                    <a:bodyPr/>
-                    <a:lstStyle/>
-                    <a:p>
-                      <a:pPr marL="0" marR="0" lvl="0" indent="0" algn="l" defTabSz="914400" rtl="0" eaLnBrk="1" fontAlgn="auto" latinLnBrk="0" hangingPunct="1">
-                        <a:lnSpc>
-                          <a:spcPct val="115000"/>
-                        </a:lnSpc>
-                        <a:spcBef>
-                          <a:spcPts val="0"/>
-                        </a:spcBef>
-                        <a:spcAft>
-                          <a:spcPts val="0"/>
-                        </a:spcAft>
-                        <a:buClr>
-                          <a:srgbClr val="000000"/>
-                        </a:buClr>
-                        <a:buSzTx/>
-                        <a:buFont typeface="Arial"/>
-                        <a:buNone/>
-                        <a:tabLst/>
-                        <a:defRPr/>
-                      </a:pPr>
-                      <a:r>
-                        <a:rPr lang="ru-RU" sz="1300" dirty="0">
-                          <a:latin typeface="Roboto"/>
-                          <a:ea typeface="Roboto"/>
-                          <a:cs typeface="Roboto"/>
-                          <a:sym typeface="Roboto"/>
-                        </a:rPr>
-                        <a:t>Научимся строить базовые</a:t>
-                      </a:r>
-                      <a:r>
-                        <a:rPr lang="en-US" sz="1300" dirty="0">
-                          <a:latin typeface="Roboto"/>
-                          <a:ea typeface="Roboto"/>
-                          <a:cs typeface="Roboto"/>
-                          <a:sym typeface="Roboto"/>
-                        </a:rPr>
-                        <a:t> </a:t>
-                      </a:r>
-                      <a:r>
-                        <a:rPr lang="ru-RU" sz="1300" dirty="0">
-                          <a:latin typeface="Roboto"/>
-                          <a:ea typeface="Roboto"/>
-                          <a:cs typeface="Roboto"/>
-                          <a:sym typeface="Roboto"/>
-                        </a:rPr>
-                        <a:t>показатели с помощью библиотеки </a:t>
-                      </a:r>
-                      <a:r>
-                        <a:rPr lang="en-US" sz="1300" dirty="0">
-                          <a:latin typeface="Roboto"/>
-                          <a:ea typeface="Roboto"/>
-                          <a:cs typeface="Roboto"/>
-                          <a:sym typeface="Roboto"/>
-                        </a:rPr>
-                        <a:t>TA</a:t>
-                      </a:r>
-                      <a:r>
-                        <a:rPr lang="ru-RU" sz="1300" dirty="0">
-                          <a:latin typeface="Roboto"/>
-                          <a:ea typeface="Roboto"/>
-                          <a:cs typeface="Roboto"/>
-                          <a:sym typeface="Roboto"/>
-                        </a:rPr>
-                        <a:t>-</a:t>
-                      </a:r>
-                      <a:r>
-                        <a:rPr lang="en-US" sz="1300" dirty="0">
-                          <a:latin typeface="Roboto"/>
-                          <a:ea typeface="Roboto"/>
-                          <a:cs typeface="Roboto"/>
-                          <a:sym typeface="Roboto"/>
-                        </a:rPr>
-                        <a:t>Lib</a:t>
-                      </a:r>
-                      <a:endParaRPr lang="ru-RU" sz="1300" dirty="0">
-                        <a:latin typeface="Roboto"/>
-                        <a:ea typeface="Roboto"/>
-                        <a:cs typeface="Roboto"/>
-                        <a:sym typeface="Roboto"/>
-                      </a:endParaRPr>
-                    </a:p>
-                  </a:txBody>
-                  <a:tcPr marL="198000" marR="91425" marT="68575" marB="68575">
-                    <a:lnL w="9525" cap="flat" cmpd="sng">
-                      <a:solidFill>
-                        <a:schemeClr val="lt1"/>
-                      </a:solidFill>
-                      <a:prstDash val="solid"/>
-                      <a:round/>
-                      <a:headEnd type="none" w="sm" len="sm"/>
-                      <a:tailEnd type="none" w="sm" len="sm"/>
-                    </a:lnL>
-                    <a:lnR w="9525" cap="flat" cmpd="sng">
-                      <a:solidFill>
-                        <a:srgbClr val="BFC1F0">
-                          <a:alpha val="0"/>
-                        </a:srgbClr>
-                      </a:solidFill>
-                      <a:prstDash val="solid"/>
-                      <a:round/>
-                      <a:headEnd type="none" w="sm" len="sm"/>
-                      <a:tailEnd type="none" w="sm" len="sm"/>
-                    </a:lnR>
-                    <a:lnT w="9525" cap="flat" cmpd="sng">
-                      <a:solidFill>
-                        <a:srgbClr val="BFC1F0">
-                          <a:alpha val="0"/>
-                        </a:srgbClr>
-                      </a:solidFill>
-                      <a:prstDash val="solid"/>
-                      <a:round/>
-                      <a:headEnd type="none" w="sm" len="sm"/>
-                      <a:tailEnd type="none" w="sm" len="sm"/>
-                    </a:lnT>
-                    <a:lnB w="9525" cap="flat" cmpd="sng">
-                      <a:solidFill>
-                        <a:srgbClr val="9E9E9E"/>
-                      </a:solidFill>
-                      <a:prstDash val="solid"/>
-                      <a:round/>
-                      <a:headEnd type="none" w="sm" len="sm"/>
-                      <a:tailEnd type="none" w="sm" len="sm"/>
-                    </a:lnB>
-                  </a:tcPr>
-                </a:tc>
-                <a:extLst>
-                  <a:ext uri="{0D108BD9-81ED-4DB2-BD59-A6C34878D82A}">
-                    <a16:rowId xmlns:a16="http://schemas.microsoft.com/office/drawing/2014/main" val="10000"/>
-                  </a:ext>
-                </a:extLst>
-              </a:tr>
-            </a:tbl>
-          </a:graphicData>
-        </a:graphic>
-      </p:graphicFrame>
-    </p:spTree>
-  </p:cSld>
-  <p:clrMapOvr>
-    <a:masterClrMapping/>
-  </p:clrMapOvr>
-</p:sld>
-</file>
-
-<file path=ppt/slides/slide21.xml><?xml version="1.0" encoding="utf-8"?>
-<p:sld xmlns:a="http://schemas.openxmlformats.org/drawingml/2006/main" xmlns:r="http://schemas.openxmlformats.org/officeDocument/2006/relationships" xmlns:p="http://schemas.openxmlformats.org/presentationml/2006/main">
-  <p:cSld>
-    <p:spTree>
-      <p:nvGrpSpPr>
-        <p:cNvPr id="1" name="Shape 455"/>
-        <p:cNvGrpSpPr/>
-        <p:nvPr/>
-      </p:nvGrpSpPr>
-      <p:grpSpPr>
-        <a:xfrm>
-          <a:off x="0" y="0"/>
-          <a:ext cx="0" cy="0"/>
-          <a:chOff x="0" y="0"/>
-          <a:chExt cx="0" cy="0"/>
-        </a:xfrm>
-      </p:grpSpPr>
-      <p:sp>
-        <p:nvSpPr>
-          <p:cNvPr id="456" name="Google Shape;456;p85"/>
-          <p:cNvSpPr txBox="1">
-            <a:spLocks noGrp="1"/>
-          </p:cNvSpPr>
-          <p:nvPr>
-            <p:ph type="title"/>
-          </p:nvPr>
-        </p:nvSpPr>
-        <p:spPr>
-          <a:xfrm>
-            <a:off x="956225" y="110644"/>
-            <a:ext cx="7706100" cy="4090800"/>
-          </a:xfrm>
-          <a:prstGeom prst="rect">
-            <a:avLst/>
-          </a:prstGeom>
-        </p:spPr>
-        <p:txBody>
-          <a:bodyPr spcFirstLastPara="1" wrap="square" lIns="91425" tIns="91425" rIns="91425" bIns="91425" anchor="ctr" anchorCtr="0">
-            <a:noAutofit/>
-          </a:bodyPr>
-          <a:lstStyle/>
-          <a:p>
-            <a:pPr marL="0" lvl="0" indent="0" algn="l" rtl="0">
-              <a:spcBef>
-                <a:spcPts val="0"/>
-              </a:spcBef>
-              <a:spcAft>
-                <a:spcPts val="0"/>
-              </a:spcAft>
-              <a:buClr>
-                <a:schemeClr val="dk1"/>
-              </a:buClr>
-              <a:buSzPts val="1100"/>
-              <a:buFont typeface="Arial"/>
-              <a:buNone/>
-            </a:pPr>
-            <a:r>
-              <a:rPr lang="ru"/>
-              <a:t>Вопросы?</a:t>
-            </a:r>
-            <a:endParaRPr/>
-          </a:p>
-        </p:txBody>
-      </p:sp>
-      <p:pic>
-        <p:nvPicPr>
-          <p:cNvPr id="457" name="Google Shape;457;p85"/>
-          <p:cNvPicPr preferRelativeResize="0"/>
-          <p:nvPr/>
-        </p:nvPicPr>
-        <p:blipFill rotWithShape="1">
-          <a:blip r:embed="rId3">
-            <a:alphaModFix/>
-          </a:blip>
-          <a:srcRect/>
-          <a:stretch/>
-        </p:blipFill>
-        <p:spPr>
-          <a:xfrm>
-            <a:off x="1032750" y="2962492"/>
-            <a:ext cx="496901" cy="496901"/>
-          </a:xfrm>
-          <a:prstGeom prst="rect">
-            <a:avLst/>
-          </a:prstGeom>
-          <a:noFill/>
-          <a:ln>
-            <a:noFill/>
-          </a:ln>
-        </p:spPr>
-      </p:pic>
-      <p:sp>
-        <p:nvSpPr>
-          <p:cNvPr id="458" name="Google Shape;458;p85"/>
-          <p:cNvSpPr txBox="1"/>
-          <p:nvPr/>
-        </p:nvSpPr>
-        <p:spPr>
-          <a:xfrm>
-            <a:off x="1750800" y="2887700"/>
-            <a:ext cx="1635600" cy="646500"/>
-          </a:xfrm>
-          <a:prstGeom prst="rect">
-            <a:avLst/>
-          </a:prstGeom>
-          <a:noFill/>
-          <a:ln>
-            <a:noFill/>
-          </a:ln>
-        </p:spPr>
-        <p:txBody>
-          <a:bodyPr spcFirstLastPara="1" wrap="square" lIns="91425" tIns="91425" rIns="91425" bIns="91425" anchor="t" anchorCtr="0">
-            <a:spAutoFit/>
-          </a:bodyPr>
-          <a:lstStyle/>
-          <a:p>
-            <a:pPr marL="0" lvl="0" indent="0" algn="l" rtl="0">
-              <a:spcBef>
-                <a:spcPts val="0"/>
-              </a:spcBef>
-              <a:spcAft>
-                <a:spcPts val="0"/>
-              </a:spcAft>
-              <a:buNone/>
-            </a:pPr>
-            <a:r>
-              <a:rPr lang="ru" sz="1500">
-                <a:solidFill>
-                  <a:srgbClr val="FFFFFF"/>
-                </a:solidFill>
-                <a:latin typeface="Roboto"/>
-                <a:ea typeface="Roboto"/>
-                <a:cs typeface="Roboto"/>
-                <a:sym typeface="Roboto"/>
-              </a:rPr>
-              <a:t>Задаем вопросы в чат</a:t>
-            </a:r>
-            <a:endParaRPr sz="1500">
-              <a:solidFill>
-                <a:srgbClr val="FFFFFF"/>
-              </a:solidFill>
-              <a:latin typeface="Roboto"/>
-              <a:ea typeface="Roboto"/>
-              <a:cs typeface="Roboto"/>
-              <a:sym typeface="Roboto"/>
-            </a:endParaRPr>
-          </a:p>
-        </p:txBody>
-      </p:sp>
-      <p:pic>
-        <p:nvPicPr>
-          <p:cNvPr id="459" name="Google Shape;459;p85"/>
-          <p:cNvPicPr preferRelativeResize="0"/>
-          <p:nvPr/>
-        </p:nvPicPr>
-        <p:blipFill rotWithShape="1">
-          <a:blip r:embed="rId4">
-            <a:alphaModFix/>
-          </a:blip>
-          <a:srcRect/>
-          <a:stretch/>
-        </p:blipFill>
-        <p:spPr>
-          <a:xfrm>
-            <a:off x="4415725" y="2962492"/>
-            <a:ext cx="496901" cy="496901"/>
-          </a:xfrm>
-          <a:prstGeom prst="rect">
-            <a:avLst/>
-          </a:prstGeom>
-          <a:noFill/>
-          <a:ln>
-            <a:noFill/>
-          </a:ln>
-        </p:spPr>
-      </p:pic>
-      <p:sp>
-        <p:nvSpPr>
-          <p:cNvPr id="460" name="Google Shape;460;p85"/>
-          <p:cNvSpPr txBox="1"/>
-          <p:nvPr/>
-        </p:nvSpPr>
-        <p:spPr>
-          <a:xfrm>
-            <a:off x="5119475" y="2892305"/>
-            <a:ext cx="3000000" cy="646500"/>
-          </a:xfrm>
-          <a:prstGeom prst="rect">
-            <a:avLst/>
-          </a:prstGeom>
-          <a:noFill/>
-          <a:ln>
-            <a:noFill/>
-          </a:ln>
-        </p:spPr>
-        <p:txBody>
-          <a:bodyPr spcFirstLastPara="1" wrap="square" lIns="91425" tIns="91425" rIns="91425" bIns="91425" anchor="t" anchorCtr="0">
-            <a:spAutoFit/>
-          </a:bodyPr>
-          <a:lstStyle/>
-          <a:p>
-            <a:pPr marL="0" lvl="0" indent="0" algn="l" rtl="0">
-              <a:spcBef>
-                <a:spcPts val="0"/>
-              </a:spcBef>
-              <a:spcAft>
-                <a:spcPts val="0"/>
-              </a:spcAft>
-              <a:buNone/>
-            </a:pPr>
-            <a:r>
-              <a:rPr lang="ru" sz="1500">
-                <a:solidFill>
-                  <a:srgbClr val="FFFFFF"/>
-                </a:solidFill>
-                <a:latin typeface="Roboto"/>
-                <a:ea typeface="Roboto"/>
-                <a:cs typeface="Roboto"/>
-                <a:sym typeface="Roboto"/>
-              </a:rPr>
-              <a:t>Ставим “–”,</a:t>
-            </a:r>
-            <a:endParaRPr sz="1500">
-              <a:solidFill>
-                <a:srgbClr val="FFFFFF"/>
-              </a:solidFill>
-              <a:latin typeface="Roboto"/>
-              <a:ea typeface="Roboto"/>
-              <a:cs typeface="Roboto"/>
-              <a:sym typeface="Roboto"/>
-            </a:endParaRPr>
-          </a:p>
-          <a:p>
-            <a:pPr marL="0" lvl="0" indent="0" algn="l" rtl="0">
-              <a:spcBef>
-                <a:spcPts val="0"/>
-              </a:spcBef>
-              <a:spcAft>
-                <a:spcPts val="0"/>
-              </a:spcAft>
-              <a:buNone/>
-            </a:pPr>
-            <a:r>
-              <a:rPr lang="ru" sz="1500">
-                <a:solidFill>
-                  <a:srgbClr val="FFFFFF"/>
-                </a:solidFill>
-                <a:latin typeface="Roboto"/>
-                <a:ea typeface="Roboto"/>
-                <a:cs typeface="Roboto"/>
-                <a:sym typeface="Roboto"/>
-              </a:rPr>
-              <a:t>если вопросов нет</a:t>
-            </a:r>
-            <a:endParaRPr sz="1500">
-              <a:solidFill>
-                <a:srgbClr val="FFFFFF"/>
-              </a:solidFill>
-              <a:latin typeface="Roboto"/>
-              <a:ea typeface="Roboto"/>
-              <a:cs typeface="Roboto"/>
-              <a:sym typeface="Roboto"/>
-            </a:endParaRPr>
-          </a:p>
-        </p:txBody>
-      </p:sp>
-    </p:spTree>
-  </p:cSld>
-  <p:clrMapOvr>
-    <a:masterClrMapping/>
-  </p:clrMapOvr>
-</p:sld>
-</file>
-
-<file path=ppt/slides/slide22.xml><?xml version="1.0" encoding="utf-8"?>
-<p:sld xmlns:a="http://schemas.openxmlformats.org/drawingml/2006/main" xmlns:r="http://schemas.openxmlformats.org/officeDocument/2006/relationships" xmlns:p="http://schemas.openxmlformats.org/presentationml/2006/main">
-  <p:cSld>
-    <p:spTree>
-      <p:nvGrpSpPr>
-        <p:cNvPr id="1" name="Shape 464"/>
-        <p:cNvGrpSpPr/>
-        <p:nvPr/>
-      </p:nvGrpSpPr>
-      <p:grpSpPr>
-        <a:xfrm>
-          <a:off x="0" y="0"/>
-          <a:ext cx="0" cy="0"/>
-          <a:chOff x="0" y="0"/>
-          <a:chExt cx="0" cy="0"/>
-        </a:xfrm>
-      </p:grpSpPr>
-      <p:sp>
-        <p:nvSpPr>
-          <p:cNvPr id="465" name="Google Shape;465;p86"/>
-          <p:cNvSpPr txBox="1">
-            <a:spLocks noGrp="1"/>
-          </p:cNvSpPr>
-          <p:nvPr>
-            <p:ph type="title"/>
-          </p:nvPr>
-        </p:nvSpPr>
-        <p:spPr>
-          <a:prstGeom prst="rect">
-            <a:avLst/>
-          </a:prstGeom>
-        </p:spPr>
-        <p:txBody>
-          <a:bodyPr spcFirstLastPara="1" wrap="square" lIns="91425" tIns="91425" rIns="91425" bIns="91425" anchor="t" anchorCtr="0">
-            <a:noAutofit/>
-          </a:bodyPr>
-          <a:lstStyle/>
-          <a:p>
-            <a:pPr marL="0" lvl="0" indent="0" algn="l" rtl="0">
-              <a:spcBef>
-                <a:spcPts val="0"/>
-              </a:spcBef>
-              <a:spcAft>
-                <a:spcPts val="0"/>
-              </a:spcAft>
-              <a:buClr>
-                <a:schemeClr val="dk1"/>
-              </a:buClr>
-              <a:buSzPts val="1100"/>
-              <a:buFont typeface="Arial"/>
-              <a:buNone/>
-            </a:pPr>
-            <a:r>
-              <a:rPr lang="ru"/>
-              <a:t>Ключевые тезисы </a:t>
-            </a:r>
-            <a:endParaRPr/>
-          </a:p>
-          <a:p>
-            <a:pPr marL="0" lvl="0" indent="0" algn="l" rtl="0">
-              <a:spcBef>
-                <a:spcPts val="0"/>
-              </a:spcBef>
-              <a:spcAft>
-                <a:spcPts val="0"/>
-              </a:spcAft>
-              <a:buNone/>
-            </a:pPr>
-            <a:endParaRPr/>
-          </a:p>
-        </p:txBody>
-      </p:sp>
-      <p:graphicFrame>
-        <p:nvGraphicFramePr>
-          <p:cNvPr id="4" name="Google Shape;389;p75">
-            <a:extLst>
-              <a:ext uri="{FF2B5EF4-FFF2-40B4-BE49-F238E27FC236}">
-                <a16:creationId xmlns:a16="http://schemas.microsoft.com/office/drawing/2014/main" id="{EE71290E-F42D-6247-8F96-FFA1EE92CB77}"/>
-              </a:ext>
-            </a:extLst>
-          </p:cNvPr>
-          <p:cNvGraphicFramePr/>
-          <p:nvPr>
-            <p:extLst>
-              <p:ext uri="{D42A27DB-BD31-4B8C-83A1-F6EECF244321}">
-                <p14:modId xmlns:p14="http://schemas.microsoft.com/office/powerpoint/2010/main" val="970228505"/>
-              </p:ext>
-            </p:extLst>
-          </p:nvPr>
-        </p:nvGraphicFramePr>
-        <p:xfrm>
-          <a:off x="952500" y="1544194"/>
-          <a:ext cx="7239000" cy="1397216"/>
-        </p:xfrm>
-        <a:graphic>
-          <a:graphicData uri="http://schemas.openxmlformats.org/drawingml/2006/table">
-            <a:tbl>
-              <a:tblPr>
-                <a:noFill/>
-                <a:tableStyleId>{9F59E00E-254B-42B5-9FED-D0DB1D54CBD8}</a:tableStyleId>
-              </a:tblPr>
-              <a:tblGrid>
-                <a:gridCol w="489425">
-                  <a:extLst>
-                    <a:ext uri="{9D8B030D-6E8A-4147-A177-3AD203B41FA5}">
-                      <a16:colId xmlns:a16="http://schemas.microsoft.com/office/drawing/2014/main" val="20000"/>
-                    </a:ext>
-                  </a:extLst>
-                </a:gridCol>
-                <a:gridCol w="6749575">
-                  <a:extLst>
-                    <a:ext uri="{9D8B030D-6E8A-4147-A177-3AD203B41FA5}">
-                      <a16:colId xmlns:a16="http://schemas.microsoft.com/office/drawing/2014/main" val="20001"/>
-                    </a:ext>
-                  </a:extLst>
-                </a:gridCol>
-              </a:tblGrid>
-              <a:tr h="285750">
-                <a:tc>
-                  <a:txBody>
-                    <a:bodyPr/>
-                    <a:lstStyle/>
-                    <a:p>
-                      <a:pPr marL="0" lvl="0" indent="0" algn="l" rtl="0">
-                        <a:spcBef>
-                          <a:spcPts val="0"/>
-                        </a:spcBef>
-                        <a:spcAft>
-                          <a:spcPts val="0"/>
-                        </a:spcAft>
-                        <a:buNone/>
-                      </a:pPr>
-                      <a:r>
-                        <a:rPr lang="ru" sz="1300" b="1" dirty="0">
-                          <a:solidFill>
-                            <a:srgbClr val="FF7700"/>
-                          </a:solidFill>
-                          <a:latin typeface="Roboto"/>
-                          <a:ea typeface="Roboto"/>
-                          <a:cs typeface="Roboto"/>
-                          <a:sym typeface="Roboto"/>
-                        </a:rPr>
-                        <a:t>1.</a:t>
-                      </a:r>
-                      <a:endParaRPr sz="1300" b="1" dirty="0">
-                        <a:solidFill>
-                          <a:srgbClr val="FF7700"/>
-                        </a:solidFill>
-                        <a:latin typeface="Roboto"/>
-                        <a:ea typeface="Roboto"/>
-                        <a:cs typeface="Roboto"/>
-                        <a:sym typeface="Roboto"/>
-                      </a:endParaRPr>
-                    </a:p>
-                  </a:txBody>
-                  <a:tcPr marL="198000" marR="91425" marT="68575" marB="68575">
-                    <a:lnL w="9525" cap="flat" cmpd="sng">
-                      <a:solidFill>
-                        <a:srgbClr val="BFC1F0">
-                          <a:alpha val="0"/>
-                        </a:srgbClr>
-                      </a:solidFill>
-                      <a:prstDash val="solid"/>
-                      <a:round/>
-                      <a:headEnd type="none" w="sm" len="sm"/>
-                      <a:tailEnd type="none" w="sm" len="sm"/>
-                    </a:lnL>
-                    <a:lnR w="9525" cap="flat" cmpd="sng" algn="ctr">
-                      <a:solidFill>
-                        <a:schemeClr val="lt1"/>
-                      </a:solidFill>
-                      <a:prstDash val="solid"/>
-                      <a:round/>
-                      <a:headEnd type="none" w="sm" len="sm"/>
-                      <a:tailEnd type="none" w="sm" len="sm"/>
-                    </a:lnR>
-                    <a:lnT w="9525" cap="flat" cmpd="sng">
-                      <a:solidFill>
-                        <a:srgbClr val="9E9E9E"/>
-                      </a:solidFill>
-                      <a:prstDash val="solid"/>
-                      <a:round/>
-                      <a:headEnd type="none" w="sm" len="sm"/>
-                      <a:tailEnd type="none" w="sm" len="sm"/>
-                    </a:lnT>
-                    <a:lnB w="9525" cap="flat" cmpd="sng">
-                      <a:solidFill>
-                        <a:srgbClr val="9E9E9E"/>
-                      </a:solidFill>
-                      <a:prstDash val="solid"/>
-                      <a:round/>
-                      <a:headEnd type="none" w="sm" len="sm"/>
-                      <a:tailEnd type="none" w="sm" len="sm"/>
-                    </a:lnB>
-                  </a:tcPr>
-                </a:tc>
-                <a:tc>
-                  <a:txBody>
-                    <a:bodyPr/>
-                    <a:lstStyle/>
-                    <a:p>
-                      <a:pPr marL="0" lvl="0" indent="0" algn="l" rtl="0">
-                        <a:lnSpc>
-                          <a:spcPct val="115000"/>
-                        </a:lnSpc>
-                        <a:spcBef>
-                          <a:spcPts val="0"/>
-                        </a:spcBef>
-                        <a:spcAft>
-                          <a:spcPts val="0"/>
-                        </a:spcAft>
-                        <a:buNone/>
-                      </a:pPr>
-                      <a:r>
-                        <a:rPr lang="ru" sz="1300" dirty="0">
-                          <a:latin typeface="Roboto"/>
-                          <a:ea typeface="Roboto"/>
-                          <a:cs typeface="Roboto"/>
-                          <a:sym typeface="Roboto"/>
-                        </a:rPr>
-                        <a:t>Поняли </a:t>
-                      </a:r>
-                      <a:r>
-                        <a:rPr lang="ru-RU" sz="1300" dirty="0">
-                          <a:latin typeface="Roboto"/>
-                          <a:ea typeface="Roboto"/>
-                          <a:cs typeface="Roboto"/>
-                          <a:sym typeface="Roboto"/>
-                        </a:rPr>
-                        <a:t>что такое технический анализ</a:t>
-                      </a:r>
-                      <a:endParaRPr sz="1300" dirty="0">
-                        <a:latin typeface="Roboto"/>
-                        <a:ea typeface="Roboto"/>
-                        <a:cs typeface="Roboto"/>
-                        <a:sym typeface="Roboto"/>
-                      </a:endParaRPr>
-                    </a:p>
-                  </a:txBody>
-                  <a:tcPr marL="198000" marR="91425" marT="68575" marB="68575">
-                    <a:lnL w="9525" cap="flat" cmpd="sng" algn="ctr">
-                      <a:solidFill>
-                        <a:schemeClr val="lt1"/>
-                      </a:solidFill>
-                      <a:prstDash val="solid"/>
-                      <a:round/>
-                      <a:headEnd type="none" w="sm" len="sm"/>
-                      <a:tailEnd type="none" w="sm" len="sm"/>
-                    </a:lnL>
-                    <a:lnR w="9525" cap="flat" cmpd="sng">
-                      <a:solidFill>
-                        <a:srgbClr val="BFC1F0">
-                          <a:alpha val="0"/>
-                        </a:srgbClr>
-                      </a:solidFill>
-                      <a:prstDash val="solid"/>
-                      <a:round/>
-                      <a:headEnd type="none" w="sm" len="sm"/>
-                      <a:tailEnd type="none" w="sm" len="sm"/>
-                    </a:lnR>
-                    <a:lnT w="9525" cap="flat" cmpd="sng">
-                      <a:solidFill>
-                        <a:srgbClr val="9E9E9E"/>
-                      </a:solidFill>
-                      <a:prstDash val="solid"/>
-                      <a:round/>
-                      <a:headEnd type="none" w="sm" len="sm"/>
-                      <a:tailEnd type="none" w="sm" len="sm"/>
-                    </a:lnT>
-                    <a:lnB w="9525" cap="flat" cmpd="sng">
-                      <a:solidFill>
-                        <a:srgbClr val="9E9E9E"/>
-                      </a:solidFill>
-                      <a:prstDash val="solid"/>
-                      <a:round/>
-                      <a:headEnd type="none" w="sm" len="sm"/>
-                      <a:tailEnd type="none" w="sm" len="sm"/>
-                    </a:lnB>
-                  </a:tcPr>
-                </a:tc>
-                <a:extLst>
-                  <a:ext uri="{0D108BD9-81ED-4DB2-BD59-A6C34878D82A}">
-                    <a16:rowId xmlns:a16="http://schemas.microsoft.com/office/drawing/2014/main" val="10001"/>
-                  </a:ext>
-                </a:extLst>
-              </a:tr>
-              <a:tr h="285750">
-                <a:tc>
-                  <a:txBody>
-                    <a:bodyPr/>
-                    <a:lstStyle/>
-                    <a:p>
-                      <a:pPr marL="0" lvl="0" indent="0" algn="l" rtl="0">
-                        <a:spcBef>
-                          <a:spcPts val="0"/>
-                        </a:spcBef>
-                        <a:spcAft>
-                          <a:spcPts val="0"/>
-                        </a:spcAft>
-                        <a:buNone/>
-                      </a:pPr>
-                      <a:r>
-                        <a:rPr lang="ru" sz="1300" b="1" dirty="0">
-                          <a:solidFill>
-                            <a:srgbClr val="FF7700"/>
-                          </a:solidFill>
-                          <a:latin typeface="Roboto"/>
-                          <a:ea typeface="Roboto"/>
-                          <a:cs typeface="Roboto"/>
-                          <a:sym typeface="Roboto"/>
-                        </a:rPr>
-                        <a:t>2.</a:t>
-                      </a:r>
-                      <a:endParaRPr sz="1300" b="1" dirty="0">
-                        <a:solidFill>
-                          <a:srgbClr val="FF7700"/>
-                        </a:solidFill>
-                        <a:latin typeface="Roboto"/>
-                        <a:ea typeface="Roboto"/>
-                        <a:cs typeface="Roboto"/>
-                        <a:sym typeface="Roboto"/>
-                      </a:endParaRPr>
-                    </a:p>
-                  </a:txBody>
-                  <a:tcPr marL="198000" marR="91425" marT="68575" marB="68575">
-                    <a:lnL w="9525" cap="flat" cmpd="sng">
-                      <a:solidFill>
-                        <a:srgbClr val="BFC1F0">
-                          <a:alpha val="0"/>
-                        </a:srgbClr>
-                      </a:solidFill>
-                      <a:prstDash val="solid"/>
-                      <a:round/>
-                      <a:headEnd type="none" w="sm" len="sm"/>
-                      <a:tailEnd type="none" w="sm" len="sm"/>
-                    </a:lnL>
-                    <a:lnR w="9525" cap="flat" cmpd="sng">
-                      <a:solidFill>
-                        <a:schemeClr val="lt1"/>
-                      </a:solidFill>
-                      <a:prstDash val="solid"/>
-                      <a:round/>
-                      <a:headEnd type="none" w="sm" len="sm"/>
-                      <a:tailEnd type="none" w="sm" len="sm"/>
-                    </a:lnR>
-                    <a:lnT w="9525" cap="flat" cmpd="sng">
-                      <a:solidFill>
-                        <a:srgbClr val="9E9E9E"/>
-                      </a:solidFill>
-                      <a:prstDash val="solid"/>
-                      <a:round/>
-                      <a:headEnd type="none" w="sm" len="sm"/>
-                      <a:tailEnd type="none" w="sm" len="sm"/>
-                    </a:lnT>
-                    <a:lnB w="9525" cap="flat" cmpd="sng" algn="ctr">
-                      <a:solidFill>
-                        <a:srgbClr val="9E9E9E"/>
-                      </a:solidFill>
-                      <a:prstDash val="solid"/>
-                      <a:round/>
-                      <a:headEnd type="none" w="sm" len="sm"/>
-                      <a:tailEnd type="none" w="sm" len="sm"/>
-                    </a:lnB>
-                  </a:tcPr>
-                </a:tc>
-                <a:tc>
-                  <a:txBody>
-                    <a:bodyPr/>
-                    <a:lstStyle/>
-                    <a:p>
-                      <a:pPr marL="0" lvl="0" indent="0" algn="l" rtl="0">
-                        <a:lnSpc>
-                          <a:spcPct val="115000"/>
-                        </a:lnSpc>
-                        <a:spcBef>
-                          <a:spcPts val="0"/>
-                        </a:spcBef>
-                        <a:spcAft>
-                          <a:spcPts val="0"/>
-                        </a:spcAft>
-                        <a:buNone/>
-                      </a:pPr>
-                      <a:r>
-                        <a:rPr lang="ru-RU" sz="1300" dirty="0">
-                          <a:latin typeface="Roboto"/>
-                          <a:ea typeface="Roboto"/>
-                          <a:cs typeface="Roboto"/>
-                          <a:sym typeface="Roboto"/>
-                        </a:rPr>
-                        <a:t>Поняли какие основные типы графиков используются для анализа</a:t>
-                      </a:r>
-                      <a:endParaRPr sz="1300" dirty="0">
-                        <a:latin typeface="Roboto"/>
-                        <a:ea typeface="Roboto"/>
-                        <a:cs typeface="Roboto"/>
-                        <a:sym typeface="Roboto"/>
-                      </a:endParaRPr>
-                    </a:p>
-                  </a:txBody>
-                  <a:tcPr marL="198000" marR="91425" marT="68575" marB="68575">
-                    <a:lnL w="9525" cap="flat" cmpd="sng">
-                      <a:solidFill>
-                        <a:schemeClr val="lt1"/>
-                      </a:solidFill>
-                      <a:prstDash val="solid"/>
-                      <a:round/>
-                      <a:headEnd type="none" w="sm" len="sm"/>
-                      <a:tailEnd type="none" w="sm" len="sm"/>
-                    </a:lnL>
-                    <a:lnR w="9525" cap="flat" cmpd="sng">
-                      <a:solidFill>
-                        <a:srgbClr val="BFC1F0">
-                          <a:alpha val="0"/>
-                        </a:srgbClr>
-                      </a:solidFill>
-                      <a:prstDash val="solid"/>
-                      <a:round/>
-                      <a:headEnd type="none" w="sm" len="sm"/>
-                      <a:tailEnd type="none" w="sm" len="sm"/>
-                    </a:lnR>
-                    <a:lnT w="9525" cap="flat" cmpd="sng">
-                      <a:solidFill>
-                        <a:srgbClr val="9E9E9E"/>
-                      </a:solidFill>
-                      <a:prstDash val="solid"/>
-                      <a:round/>
-                      <a:headEnd type="none" w="sm" len="sm"/>
-                      <a:tailEnd type="none" w="sm" len="sm"/>
-                    </a:lnT>
-                    <a:lnB w="9525" cap="flat" cmpd="sng" algn="ctr">
-                      <a:solidFill>
-                        <a:srgbClr val="9E9E9E"/>
-                      </a:solidFill>
-                      <a:prstDash val="solid"/>
-                      <a:round/>
-                      <a:headEnd type="none" w="sm" len="sm"/>
-                      <a:tailEnd type="none" w="sm" len="sm"/>
-                    </a:lnB>
-                  </a:tcPr>
-                </a:tc>
-                <a:extLst>
-                  <a:ext uri="{0D108BD9-81ED-4DB2-BD59-A6C34878D82A}">
-                    <a16:rowId xmlns:a16="http://schemas.microsoft.com/office/drawing/2014/main" val="10002"/>
-                  </a:ext>
-                </a:extLst>
-              </a:tr>
-              <a:tr h="285750">
-                <a:tc>
-                  <a:txBody>
-                    <a:bodyPr/>
-                    <a:lstStyle/>
-                    <a:p>
-                      <a:pPr marL="0" lvl="0" indent="0" algn="l" rtl="0">
-                        <a:spcBef>
-                          <a:spcPts val="0"/>
-                        </a:spcBef>
-                        <a:spcAft>
-                          <a:spcPts val="0"/>
-                        </a:spcAft>
-                        <a:buNone/>
-                      </a:pPr>
-                      <a:r>
-                        <a:rPr lang="ru-RU" sz="1300" b="1" dirty="0">
-                          <a:solidFill>
-                            <a:srgbClr val="FF7700"/>
-                          </a:solidFill>
-                          <a:latin typeface="Roboto"/>
-                          <a:ea typeface="Roboto"/>
-                          <a:cs typeface="Roboto"/>
-                          <a:sym typeface="Roboto"/>
-                        </a:rPr>
-                        <a:t>3.</a:t>
-                      </a:r>
-                      <a:endParaRPr sz="1300" b="1" dirty="0">
-                        <a:solidFill>
-                          <a:srgbClr val="FF7700"/>
-                        </a:solidFill>
-                        <a:latin typeface="Roboto"/>
-                        <a:ea typeface="Roboto"/>
-                        <a:cs typeface="Roboto"/>
-                        <a:sym typeface="Roboto"/>
-                      </a:endParaRPr>
-                    </a:p>
-                  </a:txBody>
-                  <a:tcPr marL="198000" marR="91425" marT="68575" marB="68575">
-                    <a:lnL w="9525" cap="flat" cmpd="sng">
-                      <a:solidFill>
-                        <a:srgbClr val="BFC1F0">
-                          <a:alpha val="0"/>
-                        </a:srgbClr>
-                      </a:solidFill>
-                      <a:prstDash val="solid"/>
-                      <a:round/>
-                      <a:headEnd type="none" w="sm" len="sm"/>
-                      <a:tailEnd type="none" w="sm" len="sm"/>
-                    </a:lnL>
-                    <a:lnR w="9525" cap="flat" cmpd="sng" algn="ctr">
-                      <a:solidFill>
-                        <a:schemeClr val="lt1"/>
-                      </a:solidFill>
-                      <a:prstDash val="solid"/>
-                      <a:round/>
-                      <a:headEnd type="none" w="sm" len="sm"/>
-                      <a:tailEnd type="none" w="sm" len="sm"/>
-                    </a:lnR>
-                    <a:lnT w="9525" cap="flat" cmpd="sng">
-                      <a:solidFill>
-                        <a:srgbClr val="9E9E9E"/>
-                      </a:solidFill>
-                      <a:prstDash val="solid"/>
-                      <a:round/>
-                      <a:headEnd type="none" w="sm" len="sm"/>
-                      <a:tailEnd type="none" w="sm" len="sm"/>
-                    </a:lnT>
-                    <a:lnB w="9525" cap="flat" cmpd="sng" algn="ctr">
-                      <a:solidFill>
-                        <a:srgbClr val="9E9E9E"/>
-                      </a:solidFill>
-                      <a:prstDash val="solid"/>
-                      <a:round/>
-                      <a:headEnd type="none" w="sm" len="sm"/>
-                      <a:tailEnd type="none" w="sm" len="sm"/>
-                    </a:lnB>
-                  </a:tcPr>
-                </a:tc>
-                <a:tc>
-                  <a:txBody>
-                    <a:bodyPr/>
-                    <a:lstStyle/>
-                    <a:p>
-                      <a:pPr marL="0" lvl="0" indent="0" algn="l" rtl="0">
-                        <a:lnSpc>
-                          <a:spcPct val="115000"/>
-                        </a:lnSpc>
-                        <a:spcBef>
-                          <a:spcPts val="0"/>
-                        </a:spcBef>
-                        <a:spcAft>
-                          <a:spcPts val="0"/>
-                        </a:spcAft>
-                        <a:buNone/>
-                      </a:pPr>
-                      <a:r>
-                        <a:rPr lang="ru-RU" sz="1300" dirty="0">
-                          <a:latin typeface="Roboto"/>
-                          <a:ea typeface="Roboto"/>
-                          <a:cs typeface="Roboto"/>
-                          <a:sym typeface="Roboto"/>
-                        </a:rPr>
-                        <a:t>Поняли что такое японские свечи и как читать такой график</a:t>
-                      </a:r>
-                      <a:endParaRPr sz="1300" dirty="0">
-                        <a:latin typeface="Roboto"/>
-                        <a:ea typeface="Roboto"/>
-                        <a:cs typeface="Roboto"/>
-                        <a:sym typeface="Roboto"/>
-                      </a:endParaRPr>
-                    </a:p>
-                  </a:txBody>
-                  <a:tcPr marL="198000" marR="91425" marT="68575" marB="68575">
-                    <a:lnL w="9525" cap="flat" cmpd="sng" algn="ctr">
-                      <a:solidFill>
-                        <a:schemeClr val="lt1"/>
-                      </a:solidFill>
-                      <a:prstDash val="solid"/>
-                      <a:round/>
-                      <a:headEnd type="none" w="sm" len="sm"/>
-                      <a:tailEnd type="none" w="sm" len="sm"/>
-                    </a:lnL>
-                    <a:lnR w="9525" cap="flat" cmpd="sng">
-                      <a:solidFill>
-                        <a:srgbClr val="BFC1F0">
-                          <a:alpha val="0"/>
-                        </a:srgbClr>
-                      </a:solidFill>
-                      <a:prstDash val="solid"/>
-                      <a:round/>
-                      <a:headEnd type="none" w="sm" len="sm"/>
-                      <a:tailEnd type="none" w="sm" len="sm"/>
-                    </a:lnR>
-                    <a:lnT w="9525" cap="flat" cmpd="sng">
-                      <a:solidFill>
-                        <a:srgbClr val="9E9E9E"/>
-                      </a:solidFill>
-                      <a:prstDash val="solid"/>
-                      <a:round/>
-                      <a:headEnd type="none" w="sm" len="sm"/>
-                      <a:tailEnd type="none" w="sm" len="sm"/>
-                    </a:lnT>
-                    <a:lnB w="9525" cap="flat" cmpd="sng" algn="ctr">
-                      <a:solidFill>
-                        <a:srgbClr val="9E9E9E"/>
-                      </a:solidFill>
-                      <a:prstDash val="solid"/>
-                      <a:round/>
-                      <a:headEnd type="none" w="sm" len="sm"/>
-                      <a:tailEnd type="none" w="sm" len="sm"/>
-                    </a:lnB>
-                  </a:tcPr>
-                </a:tc>
-                <a:extLst>
-                  <a:ext uri="{0D108BD9-81ED-4DB2-BD59-A6C34878D82A}">
-                    <a16:rowId xmlns:a16="http://schemas.microsoft.com/office/drawing/2014/main" val="2967050880"/>
-                  </a:ext>
-                </a:extLst>
-              </a:tr>
-              <a:tr h="285750">
-                <a:tc>
-                  <a:txBody>
-                    <a:bodyPr/>
-                    <a:lstStyle/>
-                    <a:p>
-                      <a:pPr marL="0" lvl="0" indent="0" algn="l" rtl="0">
-                        <a:spcBef>
-                          <a:spcPts val="0"/>
-                        </a:spcBef>
-                        <a:spcAft>
-                          <a:spcPts val="0"/>
-                        </a:spcAft>
-                        <a:buNone/>
-                      </a:pPr>
-                      <a:r>
-                        <a:rPr lang="ru-RU" sz="1300" b="1" dirty="0">
-                          <a:solidFill>
-                            <a:srgbClr val="FF7700"/>
-                          </a:solidFill>
-                          <a:latin typeface="Roboto"/>
-                          <a:ea typeface="Roboto"/>
-                          <a:cs typeface="Roboto"/>
-                          <a:sym typeface="Roboto"/>
-                        </a:rPr>
-                        <a:t>4.</a:t>
-                      </a:r>
-                      <a:endParaRPr sz="1300" b="1" dirty="0">
-                        <a:solidFill>
-                          <a:srgbClr val="FF7700"/>
-                        </a:solidFill>
-                        <a:latin typeface="Roboto"/>
-                        <a:ea typeface="Roboto"/>
-                        <a:cs typeface="Roboto"/>
-                        <a:sym typeface="Roboto"/>
-                      </a:endParaRPr>
-                    </a:p>
-                  </a:txBody>
-                  <a:tcPr marL="198000" marR="91425" marT="68575" marB="68575">
-                    <a:lnL w="9525" cap="flat" cmpd="sng">
-                      <a:solidFill>
-                        <a:srgbClr val="BFC1F0">
-                          <a:alpha val="0"/>
-                        </a:srgbClr>
-                      </a:solidFill>
-                      <a:prstDash val="solid"/>
-                      <a:round/>
-                      <a:headEnd type="none" w="sm" len="sm"/>
-                      <a:tailEnd type="none" w="sm" len="sm"/>
-                    </a:lnL>
-                    <a:lnR w="9525" cap="flat" cmpd="sng" algn="ctr">
-                      <a:solidFill>
-                        <a:schemeClr val="lt1"/>
-                      </a:solidFill>
-                      <a:prstDash val="solid"/>
-                      <a:round/>
-                      <a:headEnd type="none" w="sm" len="sm"/>
-                      <a:tailEnd type="none" w="sm" len="sm"/>
-                    </a:lnR>
-                    <a:lnT w="9525" cap="flat" cmpd="sng">
-                      <a:solidFill>
-                        <a:srgbClr val="9E9E9E"/>
-                      </a:solidFill>
-                      <a:prstDash val="solid"/>
-                      <a:round/>
-                      <a:headEnd type="none" w="sm" len="sm"/>
-                      <a:tailEnd type="none" w="sm" len="sm"/>
-                    </a:lnT>
-                    <a:lnB w="9525" cap="flat" cmpd="sng" algn="ctr">
-                      <a:solidFill>
-                        <a:srgbClr val="9E9E9E"/>
-                      </a:solidFill>
-                      <a:prstDash val="solid"/>
-                      <a:round/>
-                      <a:headEnd type="none" w="sm" len="sm"/>
-                      <a:tailEnd type="none" w="sm" len="sm"/>
-                    </a:lnB>
-                  </a:tcPr>
-                </a:tc>
-                <a:tc>
-                  <a:txBody>
-                    <a:bodyPr/>
-                    <a:lstStyle/>
-                    <a:p>
-                      <a:pPr marL="0" lvl="0" indent="0" algn="l" rtl="0">
-                        <a:lnSpc>
-                          <a:spcPct val="115000"/>
-                        </a:lnSpc>
-                        <a:spcBef>
-                          <a:spcPts val="0"/>
-                        </a:spcBef>
-                        <a:spcAft>
-                          <a:spcPts val="0"/>
-                        </a:spcAft>
-                        <a:buNone/>
-                      </a:pPr>
-                      <a:r>
-                        <a:rPr lang="ru-RU" sz="1300" dirty="0">
-                          <a:latin typeface="Roboto"/>
-                          <a:ea typeface="Roboto"/>
-                          <a:cs typeface="Roboto"/>
-                          <a:sym typeface="Roboto"/>
-                        </a:rPr>
-                        <a:t>Поняли как строить торговые сигналы на основании скользящего среднего</a:t>
-                      </a:r>
-                      <a:endParaRPr sz="1300" dirty="0">
-                        <a:latin typeface="Roboto"/>
-                        <a:ea typeface="Roboto"/>
-                        <a:cs typeface="Roboto"/>
-                        <a:sym typeface="Roboto"/>
-                      </a:endParaRPr>
-                    </a:p>
-                  </a:txBody>
-                  <a:tcPr marL="198000" marR="91425" marT="68575" marB="68575">
-                    <a:lnL w="9525" cap="flat" cmpd="sng" algn="ctr">
-                      <a:solidFill>
-                        <a:schemeClr val="lt1"/>
-                      </a:solidFill>
-                      <a:prstDash val="solid"/>
-                      <a:round/>
-                      <a:headEnd type="none" w="sm" len="sm"/>
-                      <a:tailEnd type="none" w="sm" len="sm"/>
-                    </a:lnL>
-                    <a:lnR w="9525" cap="flat" cmpd="sng">
-                      <a:solidFill>
-                        <a:srgbClr val="BFC1F0">
-                          <a:alpha val="0"/>
-                        </a:srgbClr>
-                      </a:solidFill>
-                      <a:prstDash val="solid"/>
-                      <a:round/>
-                      <a:headEnd type="none" w="sm" len="sm"/>
-                      <a:tailEnd type="none" w="sm" len="sm"/>
-                    </a:lnR>
-                    <a:lnT w="9525" cap="flat" cmpd="sng">
-                      <a:solidFill>
-                        <a:srgbClr val="9E9E9E"/>
-                      </a:solidFill>
-                      <a:prstDash val="solid"/>
-                      <a:round/>
-                      <a:headEnd type="none" w="sm" len="sm"/>
-                      <a:tailEnd type="none" w="sm" len="sm"/>
-                    </a:lnT>
-                    <a:lnB w="9525" cap="flat" cmpd="sng" algn="ctr">
-                      <a:solidFill>
-                        <a:srgbClr val="9E9E9E"/>
-                      </a:solidFill>
-                      <a:prstDash val="solid"/>
-                      <a:round/>
-                      <a:headEnd type="none" w="sm" len="sm"/>
-                      <a:tailEnd type="none" w="sm" len="sm"/>
-                    </a:lnB>
-                  </a:tcPr>
-                </a:tc>
-                <a:extLst>
-                  <a:ext uri="{0D108BD9-81ED-4DB2-BD59-A6C34878D82A}">
-                    <a16:rowId xmlns:a16="http://schemas.microsoft.com/office/drawing/2014/main" val="3764840653"/>
-                  </a:ext>
-                </a:extLst>
-              </a:tr>
-            </a:tbl>
-          </a:graphicData>
-        </a:graphic>
-      </p:graphicFrame>
-    </p:spTree>
-    <p:extLst>
-      <p:ext uri="{BB962C8B-B14F-4D97-AF65-F5344CB8AC3E}">
-        <p14:creationId xmlns:p14="http://schemas.microsoft.com/office/powerpoint/2010/main" val="378446999"/>
-      </p:ext>
-    </p:extLst>
   </p:cSld>
   <p:clrMapOvr>
     <a:masterClrMapping/>
@@ -10821,160 +9172,6 @@
           </a:p>
         </p:txBody>
       </p:sp>
-      <p:sp>
-        <p:nvSpPr>
-          <p:cNvPr id="288" name="Google Shape;288;p65"/>
-          <p:cNvSpPr/>
-          <p:nvPr/>
-        </p:nvSpPr>
-        <p:spPr>
-          <a:xfrm>
-            <a:off x="762596" y="3358449"/>
-            <a:ext cx="3384900" cy="376200"/>
-          </a:xfrm>
-          <a:prstGeom prst="roundRect">
-            <a:avLst>
-              <a:gd name="adj" fmla="val 16667"/>
-            </a:avLst>
-          </a:prstGeom>
-          <a:solidFill>
-            <a:srgbClr val="FFD966"/>
-          </a:solidFill>
-          <a:ln>
-            <a:noFill/>
-          </a:ln>
-        </p:spPr>
-        <p:txBody>
-          <a:bodyPr spcFirstLastPara="1" wrap="square" lIns="270000" tIns="91425" rIns="270000" bIns="91425" anchor="ctr" anchorCtr="0">
-            <a:noAutofit/>
-          </a:bodyPr>
-          <a:lstStyle/>
-          <a:p>
-            <a:pPr marL="0" lvl="0" indent="0" algn="l" rtl="0">
-              <a:spcBef>
-                <a:spcPts val="0"/>
-              </a:spcBef>
-              <a:spcAft>
-                <a:spcPts val="0"/>
-              </a:spcAft>
-              <a:buNone/>
-            </a:pPr>
-            <a:r>
-              <a:rPr lang="ru" sz="1500" dirty="0">
-                <a:solidFill>
-                  <a:schemeClr val="dk1"/>
-                </a:solidFill>
-                <a:latin typeface="Roboto"/>
-                <a:ea typeface="Roboto"/>
-                <a:cs typeface="Roboto"/>
-                <a:sym typeface="Roboto"/>
-              </a:rPr>
-              <a:t>4. </a:t>
-            </a:r>
-            <a:r>
-              <a:rPr lang="ru-RU" sz="1500" dirty="0">
-                <a:solidFill>
-                  <a:schemeClr val="dk1"/>
-                </a:solidFill>
-                <a:latin typeface="Roboto"/>
-                <a:ea typeface="Roboto"/>
-                <a:cs typeface="Roboto"/>
-                <a:sym typeface="Roboto"/>
-              </a:rPr>
-              <a:t>Построение индикаторов</a:t>
-            </a:r>
-            <a:endParaRPr sz="1300" dirty="0">
-              <a:solidFill>
-                <a:schemeClr val="dk1"/>
-              </a:solidFill>
-              <a:latin typeface="Roboto"/>
-              <a:ea typeface="Roboto"/>
-              <a:cs typeface="Roboto"/>
-              <a:sym typeface="Roboto"/>
-            </a:endParaRPr>
-          </a:p>
-        </p:txBody>
-      </p:sp>
-      <p:sp>
-        <p:nvSpPr>
-          <p:cNvPr id="11" name="Google Shape;288;p65">
-            <a:extLst>
-              <a:ext uri="{FF2B5EF4-FFF2-40B4-BE49-F238E27FC236}">
-                <a16:creationId xmlns:a16="http://schemas.microsoft.com/office/drawing/2014/main" id="{E70A6281-3704-B54B-BD03-7CD165FF9994}"/>
-              </a:ext>
-            </a:extLst>
-          </p:cNvPr>
-          <p:cNvSpPr/>
-          <p:nvPr/>
-        </p:nvSpPr>
-        <p:spPr>
-          <a:xfrm>
-            <a:off x="762596" y="3970880"/>
-            <a:ext cx="3384900" cy="376200"/>
-          </a:xfrm>
-          <a:prstGeom prst="roundRect">
-            <a:avLst>
-              <a:gd name="adj" fmla="val 16667"/>
-            </a:avLst>
-          </a:prstGeom>
-          <a:solidFill>
-            <a:srgbClr val="FFD966"/>
-          </a:solidFill>
-          <a:ln>
-            <a:noFill/>
-          </a:ln>
-        </p:spPr>
-        <p:txBody>
-          <a:bodyPr spcFirstLastPara="1" wrap="square" lIns="270000" tIns="91425" rIns="270000" bIns="91425" anchor="ctr" anchorCtr="0">
-            <a:noAutofit/>
-          </a:bodyPr>
-          <a:lstStyle/>
-          <a:p>
-            <a:pPr marL="0" lvl="0" indent="0" algn="l" rtl="0">
-              <a:spcBef>
-                <a:spcPts val="0"/>
-              </a:spcBef>
-              <a:spcAft>
-                <a:spcPts val="0"/>
-              </a:spcAft>
-              <a:buNone/>
-            </a:pPr>
-            <a:r>
-              <a:rPr lang="ru" sz="1500" dirty="0">
-                <a:solidFill>
-                  <a:schemeClr val="dk1"/>
-                </a:solidFill>
-                <a:latin typeface="Roboto"/>
-                <a:ea typeface="Roboto"/>
-                <a:cs typeface="Roboto"/>
-                <a:sym typeface="Roboto"/>
-              </a:rPr>
-              <a:t>5. </a:t>
-            </a:r>
-            <a:r>
-              <a:rPr lang="ru-RU" sz="1500" dirty="0">
-                <a:solidFill>
-                  <a:schemeClr val="dk1"/>
-                </a:solidFill>
-                <a:latin typeface="Roboto"/>
-                <a:ea typeface="Roboto"/>
-                <a:cs typeface="Roboto"/>
-                <a:sym typeface="Roboto"/>
-              </a:rPr>
-              <a:t>Практика</a:t>
-            </a:r>
-            <a:endParaRPr sz="1300" dirty="0">
-              <a:solidFill>
-                <a:schemeClr val="dk1"/>
-              </a:solidFill>
-              <a:latin typeface="Roboto"/>
-              <a:ea typeface="Roboto"/>
-              <a:cs typeface="Roboto"/>
-              <a:sym typeface="Roboto"/>
-            </a:endParaRPr>
-          </a:p>
-        </p:txBody>
-      </p:sp>
       <p:pic>
         <p:nvPicPr>
           <p:cNvPr id="3" name="Picture 2">
@@ -11018,7 +9215,7 @@
         </p:nvSpPr>
         <p:spPr>
           <a:xfrm>
-            <a:off x="762596" y="2133589"/>
+            <a:off x="762596" y="2747322"/>
             <a:ext cx="3384900" cy="376200"/>
           </a:xfrm>
           <a:prstGeom prst="roundRect">
@@ -11110,7 +9307,7 @@
         </p:nvSpPr>
         <p:spPr>
           <a:xfrm>
-            <a:off x="762596" y="2746019"/>
+            <a:off x="822361" y="3973485"/>
             <a:ext cx="3384900" cy="376200"/>
           </a:xfrm>
           <a:prstGeom prst="roundRect">
@@ -11174,19 +9371,7 @@
                 <a:cs typeface="Roboto"/>
                 <a:sym typeface="Roboto"/>
               </a:rPr>
-              <a:t>Библиотека </a:t>
-            </a:r>
-            <a:r>
-              <a:rPr lang="en-US" sz="1500" dirty="0">
-                <a:solidFill>
-                  <a:schemeClr val="dk1"/>
-                </a:solidFill>
-                <a:latin typeface="Roboto"/>
-                <a:ea typeface="Roboto"/>
-                <a:cs typeface="Roboto"/>
-                <a:sym typeface="Roboto"/>
-              </a:rPr>
-              <a:t>TA-Lib</a:t>
+              <a:t>Торговые сигналы</a:t>
             </a:r>
             <a:endParaRPr sz="1500" dirty="0">
               <a:solidFill>
@@ -12052,7 +10237,7 @@
         <p:spPr>
           <a:xfrm>
             <a:off x="500550" y="1196699"/>
-            <a:ext cx="8520600" cy="3231654"/>
+            <a:ext cx="8520600" cy="3447098"/>
           </a:xfrm>
           <a:prstGeom prst="rect">
             <a:avLst/>
@@ -12283,36 +10468,41 @@
               <a:buChar char="•"/>
             </a:pPr>
             <a:r>
-              <a:rPr lang="ru-RU" b="0" i="0" u="none" strike="noStrike" dirty="0">
-                <a:solidFill>
-                  <a:srgbClr val="000000"/>
-                </a:solidFill>
-                <a:effectLst/>
-                <a:latin typeface="-webkit-standard"/>
-              </a:rPr>
-              <a:t>Стохастический осциллятор (</a:t>
-            </a:r>
-            <a:r>
-              <a:rPr lang="en-US" b="0" i="0" u="none" strike="noStrike" dirty="0">
-                <a:solidFill>
-                  <a:srgbClr val="000000"/>
-                </a:solidFill>
-                <a:effectLst/>
-                <a:latin typeface="-webkit-standard"/>
-              </a:rPr>
-              <a:t>Stochastic Oscillator)</a:t>
-            </a:r>
-            <a:r>
-              <a:rPr lang="ru-RU" b="0" i="0" u="none" strike="noStrike" dirty="0">
-                <a:solidFill>
-                  <a:srgbClr val="000000"/>
-                </a:solidFill>
-                <a:effectLst/>
-                <a:latin typeface="-webkit-standard"/>
-              </a:rPr>
-              <a:t> - это индикатор импульса, который сравнивает цену закрытия актива с его ценовым диапазоном за определенный период</a:t>
-            </a:r>
-            <a:endParaRPr lang="en-US" dirty="0"/>
+              <a:rPr lang="ru-RU" dirty="0"/>
+              <a:t>Индекс средней направленности (</a:t>
+            </a:r>
+            <a:r>
+              <a:rPr lang="en-US" dirty="0"/>
+              <a:t>ADX</a:t>
+            </a:r>
+            <a:r>
+              <a:rPr lang="ru-RU" dirty="0"/>
+              <a:t>) - для оценки силы тренда в ценах на акции</a:t>
+            </a:r>
+            <a:r>
+              <a:rPr lang="en-US" dirty="0"/>
+              <a:t>, </a:t>
+            </a:r>
+            <a:r>
+              <a:rPr lang="ru-RU" dirty="0"/>
+              <a:t>помогает определить направление тренда. Как правило, </a:t>
+            </a:r>
+            <a:r>
+              <a:rPr lang="en-US" dirty="0"/>
+              <a:t>ADX 25 </a:t>
+            </a:r>
+            <a:r>
+              <a:rPr lang="ru-RU" dirty="0"/>
+              <a:t>или выше указывает на сильный тренд, а </a:t>
+            </a:r>
+            <a:r>
+              <a:rPr lang="en-US" dirty="0"/>
+              <a:t>ADX </a:t>
+            </a:r>
+            <a:r>
+              <a:rPr lang="ru-RU" dirty="0"/>
+              <a:t>менее 20 - на слабый.</a:t>
+            </a:r>
           </a:p>
         </p:txBody>
       </p:sp>
